--- a/SAM2000/3forelesning230123/Utvelgelse av informanter.pptx
+++ b/SAM2000/3forelesning230123/Utvelgelse av informanter.pptx
@@ -4,6 +4,9 @@
   <p:sldMasterIdLst>
     <p:sldMasterId id="2147483696" r:id="rId1"/>
   </p:sldMasterIdLst>
+  <p:notesMasterIdLst>
+    <p:notesMasterId r:id="rId15"/>
+  </p:notesMasterIdLst>
   <p:sldIdLst>
     <p:sldId id="256" r:id="rId2"/>
     <p:sldId id="257" r:id="rId3"/>
@@ -124,6 +127,611 @@
 </p:presentation>
 </file>
 
+<file path=ppt/revisionInfo.xml><?xml version="1.0" encoding="utf-8"?>
+<p1510:revInfo xmlns:a="http://schemas.openxmlformats.org/drawingml/2006/main" xmlns:r="http://schemas.openxmlformats.org/officeDocument/2006/relationships" xmlns:p1510="http://schemas.microsoft.com/office/powerpoint/2015/10/main">
+  <p1510:revLst>
+    <p1510:client id="{D7D9A009-AAC7-4F4B-8AB2-4D66E79FA1DC}" v="90" dt="2023-01-30T11:56:54.415"/>
+  </p1510:revLst>
+</p1510:revInfo>
+</file>
+
+<file path=ppt/changesInfos/changesInfo1.xml><?xml version="1.0" encoding="utf-8"?>
+<pc:chgInfo xmlns:a="http://schemas.openxmlformats.org/drawingml/2006/main" xmlns:r="http://schemas.openxmlformats.org/officeDocument/2006/relationships" xmlns:ac="http://schemas.microsoft.com/office/drawing/2013/main/command" xmlns:pc="http://schemas.microsoft.com/office/powerpoint/2013/main/command">
+  <pc:docChgLst>
+    <pc:chgData name="Roman Kollar" userId="8c670d8daa4f286c" providerId="LiveId" clId="{D7D9A009-AAC7-4F4B-8AB2-4D66E79FA1DC}"/>
+    <pc:docChg chg="modSld">
+      <pc:chgData name="Roman Kollar" userId="8c670d8daa4f286c" providerId="LiveId" clId="{D7D9A009-AAC7-4F4B-8AB2-4D66E79FA1DC}" dt="2023-01-30T11:56:54.415" v="252" actId="20577"/>
+      <pc:docMkLst>
+        <pc:docMk/>
+      </pc:docMkLst>
+      <pc:sldChg chg="modNotesTx">
+        <pc:chgData name="Roman Kollar" userId="8c670d8daa4f286c" providerId="LiveId" clId="{D7D9A009-AAC7-4F4B-8AB2-4D66E79FA1DC}" dt="2023-01-30T11:47:30.466" v="93" actId="20577"/>
+        <pc:sldMkLst>
+          <pc:docMk/>
+          <pc:sldMk cId="344761447" sldId="257"/>
+        </pc:sldMkLst>
+      </pc:sldChg>
+      <pc:sldChg chg="modSp modAnim modNotesTx">
+        <pc:chgData name="Roman Kollar" userId="8c670d8daa4f286c" providerId="LiveId" clId="{D7D9A009-AAC7-4F4B-8AB2-4D66E79FA1DC}" dt="2023-01-30T11:54:51.067" v="213" actId="20577"/>
+        <pc:sldMkLst>
+          <pc:docMk/>
+          <pc:sldMk cId="1783024179" sldId="261"/>
+        </pc:sldMkLst>
+        <pc:spChg chg="mod">
+          <ac:chgData name="Roman Kollar" userId="8c670d8daa4f286c" providerId="LiveId" clId="{D7D9A009-AAC7-4F4B-8AB2-4D66E79FA1DC}" dt="2023-01-30T11:54:51.067" v="213" actId="20577"/>
+          <ac:spMkLst>
+            <pc:docMk/>
+            <pc:sldMk cId="1783024179" sldId="261"/>
+            <ac:spMk id="3" creationId="{00000000-0000-0000-0000-000000000000}"/>
+          </ac:spMkLst>
+        </pc:spChg>
+      </pc:sldChg>
+      <pc:sldChg chg="modSp modAnim">
+        <pc:chgData name="Roman Kollar" userId="8c670d8daa4f286c" providerId="LiveId" clId="{D7D9A009-AAC7-4F4B-8AB2-4D66E79FA1DC}" dt="2023-01-30T11:56:54.415" v="252" actId="20577"/>
+        <pc:sldMkLst>
+          <pc:docMk/>
+          <pc:sldMk cId="3848111517" sldId="264"/>
+        </pc:sldMkLst>
+        <pc:spChg chg="mod">
+          <ac:chgData name="Roman Kollar" userId="8c670d8daa4f286c" providerId="LiveId" clId="{D7D9A009-AAC7-4F4B-8AB2-4D66E79FA1DC}" dt="2023-01-30T11:56:54.415" v="252" actId="20577"/>
+          <ac:spMkLst>
+            <pc:docMk/>
+            <pc:sldMk cId="3848111517" sldId="264"/>
+            <ac:spMk id="3" creationId="{00000000-0000-0000-0000-000000000000}"/>
+          </ac:spMkLst>
+        </pc:spChg>
+      </pc:sldChg>
+      <pc:sldChg chg="modSp mod">
+        <pc:chgData name="Roman Kollar" userId="8c670d8daa4f286c" providerId="LiveId" clId="{D7D9A009-AAC7-4F4B-8AB2-4D66E79FA1DC}" dt="2023-01-30T11:51:37.929" v="124" actId="20577"/>
+        <pc:sldMkLst>
+          <pc:docMk/>
+          <pc:sldMk cId="2552918312" sldId="268"/>
+        </pc:sldMkLst>
+        <pc:spChg chg="mod">
+          <ac:chgData name="Roman Kollar" userId="8c670d8daa4f286c" providerId="LiveId" clId="{D7D9A009-AAC7-4F4B-8AB2-4D66E79FA1DC}" dt="2023-01-30T11:51:37.929" v="124" actId="20577"/>
+          <ac:spMkLst>
+            <pc:docMk/>
+            <pc:sldMk cId="2552918312" sldId="268"/>
+            <ac:spMk id="3" creationId="{00000000-0000-0000-0000-000000000000}"/>
+          </ac:spMkLst>
+        </pc:spChg>
+        <pc:picChg chg="mod">
+          <ac:chgData name="Roman Kollar" userId="8c670d8daa4f286c" providerId="LiveId" clId="{D7D9A009-AAC7-4F4B-8AB2-4D66E79FA1DC}" dt="2023-01-30T11:51:35.984" v="123" actId="1076"/>
+          <ac:picMkLst>
+            <pc:docMk/>
+            <pc:sldMk cId="2552918312" sldId="268"/>
+            <ac:picMk id="5" creationId="{00000000-0000-0000-0000-000000000000}"/>
+          </ac:picMkLst>
+        </pc:picChg>
+      </pc:sldChg>
+    </pc:docChg>
+  </pc:docChgLst>
+</pc:chgInfo>
+</file>
+
+<file path=ppt/notesMasters/notesMaster1.xml><?xml version="1.0" encoding="utf-8"?>
+<p:notesMaster xmlns:a="http://schemas.openxmlformats.org/drawingml/2006/main" xmlns:r="http://schemas.openxmlformats.org/officeDocument/2006/relationships" xmlns:p="http://schemas.openxmlformats.org/presentationml/2006/main">
+  <p:cSld>
+    <p:bg>
+      <p:bgRef idx="1001">
+        <a:schemeClr val="bg1"/>
+      </p:bgRef>
+    </p:bg>
+    <p:spTree>
+      <p:nvGrpSpPr>
+        <p:cNvPr id="1" name=""/>
+        <p:cNvGrpSpPr/>
+        <p:nvPr/>
+      </p:nvGrpSpPr>
+      <p:grpSpPr>
+        <a:xfrm>
+          <a:off x="0" y="0"/>
+          <a:ext cx="0" cy="0"/>
+          <a:chOff x="0" y="0"/>
+          <a:chExt cx="0" cy="0"/>
+        </a:xfrm>
+      </p:grpSpPr>
+      <p:sp>
+        <p:nvSpPr>
+          <p:cNvPr id="2" name="Plassholder for topptekst 1"/>
+          <p:cNvSpPr>
+            <a:spLocks noGrp="1"/>
+          </p:cNvSpPr>
+          <p:nvPr>
+            <p:ph type="hdr" sz="quarter"/>
+          </p:nvPr>
+        </p:nvSpPr>
+        <p:spPr>
+          <a:xfrm>
+            <a:off x="0" y="0"/>
+            <a:ext cx="2971800" cy="458788"/>
+          </a:xfrm>
+          <a:prstGeom prst="rect">
+            <a:avLst/>
+          </a:prstGeom>
+        </p:spPr>
+        <p:txBody>
+          <a:bodyPr vert="horz" lIns="91440" tIns="45720" rIns="91440" bIns="45720" rtlCol="0"/>
+          <a:lstStyle>
+            <a:lvl1pPr algn="l">
+              <a:defRPr sz="1200"/>
+            </a:lvl1pPr>
+          </a:lstStyle>
+          <a:p>
+            <a:endParaRPr lang="nb-NO"/>
+          </a:p>
+        </p:txBody>
+      </p:sp>
+      <p:sp>
+        <p:nvSpPr>
+          <p:cNvPr id="3" name="Plassholder for dato 2"/>
+          <p:cNvSpPr>
+            <a:spLocks noGrp="1"/>
+          </p:cNvSpPr>
+          <p:nvPr>
+            <p:ph type="dt" idx="1"/>
+          </p:nvPr>
+        </p:nvSpPr>
+        <p:spPr>
+          <a:xfrm>
+            <a:off x="3884613" y="0"/>
+            <a:ext cx="2971800" cy="458788"/>
+          </a:xfrm>
+          <a:prstGeom prst="rect">
+            <a:avLst/>
+          </a:prstGeom>
+        </p:spPr>
+        <p:txBody>
+          <a:bodyPr vert="horz" lIns="91440" tIns="45720" rIns="91440" bIns="45720" rtlCol="0"/>
+          <a:lstStyle>
+            <a:lvl1pPr algn="r">
+              <a:defRPr sz="1200"/>
+            </a:lvl1pPr>
+          </a:lstStyle>
+          <a:p>
+            <a:fld id="{DEADC247-6A56-42F5-811F-863368E0FED7}" type="datetimeFigureOut">
+              <a:rPr lang="nb-NO" smtClean="0"/>
+              <a:t>30.01.2023</a:t>
+            </a:fld>
+            <a:endParaRPr lang="nb-NO"/>
+          </a:p>
+        </p:txBody>
+      </p:sp>
+      <p:sp>
+        <p:nvSpPr>
+          <p:cNvPr id="4" name="Plassholder for lysbilde 3"/>
+          <p:cNvSpPr>
+            <a:spLocks noGrp="1" noRot="1" noChangeAspect="1"/>
+          </p:cNvSpPr>
+          <p:nvPr>
+            <p:ph type="sldImg" idx="2"/>
+          </p:nvPr>
+        </p:nvSpPr>
+        <p:spPr>
+          <a:xfrm>
+            <a:off x="685800" y="1143000"/>
+            <a:ext cx="5486400" cy="3086100"/>
+          </a:xfrm>
+          <a:prstGeom prst="rect">
+            <a:avLst/>
+          </a:prstGeom>
+          <a:noFill/>
+          <a:ln w="12700">
+            <a:solidFill>
+              <a:prstClr val="black"/>
+            </a:solidFill>
+          </a:ln>
+        </p:spPr>
+        <p:txBody>
+          <a:bodyPr vert="horz" lIns="91440" tIns="45720" rIns="91440" bIns="45720" rtlCol="0" anchor="ctr"/>
+          <a:lstStyle/>
+          <a:p>
+            <a:endParaRPr lang="nb-NO"/>
+          </a:p>
+        </p:txBody>
+      </p:sp>
+      <p:sp>
+        <p:nvSpPr>
+          <p:cNvPr id="5" name="Plassholder for notater 4"/>
+          <p:cNvSpPr>
+            <a:spLocks noGrp="1"/>
+          </p:cNvSpPr>
+          <p:nvPr>
+            <p:ph type="body" sz="quarter" idx="3"/>
+          </p:nvPr>
+        </p:nvSpPr>
+        <p:spPr>
+          <a:xfrm>
+            <a:off x="685800" y="4400550"/>
+            <a:ext cx="5486400" cy="3600450"/>
+          </a:xfrm>
+          <a:prstGeom prst="rect">
+            <a:avLst/>
+          </a:prstGeom>
+        </p:spPr>
+        <p:txBody>
+          <a:bodyPr vert="horz" lIns="91440" tIns="45720" rIns="91440" bIns="45720" rtlCol="0"/>
+          <a:lstStyle/>
+          <a:p>
+            <a:pPr lvl="0"/>
+            <a:r>
+              <a:rPr lang="nb-NO"/>
+              <a:t>Klikk for å redigere tekststiler i malen</a:t>
+            </a:r>
+          </a:p>
+          <a:p>
+            <a:pPr lvl="1"/>
+            <a:r>
+              <a:rPr lang="nb-NO"/>
+              <a:t>Andre nivå</a:t>
+            </a:r>
+          </a:p>
+          <a:p>
+            <a:pPr lvl="2"/>
+            <a:r>
+              <a:rPr lang="nb-NO"/>
+              <a:t>Tredje nivå</a:t>
+            </a:r>
+          </a:p>
+          <a:p>
+            <a:pPr lvl="3"/>
+            <a:r>
+              <a:rPr lang="nb-NO"/>
+              <a:t>Fjerde nivå</a:t>
+            </a:r>
+          </a:p>
+          <a:p>
+            <a:pPr lvl="4"/>
+            <a:r>
+              <a:rPr lang="nb-NO"/>
+              <a:t>Femte nivå</a:t>
+            </a:r>
+          </a:p>
+        </p:txBody>
+      </p:sp>
+      <p:sp>
+        <p:nvSpPr>
+          <p:cNvPr id="6" name="Plassholder for bunntekst 5"/>
+          <p:cNvSpPr>
+            <a:spLocks noGrp="1"/>
+          </p:cNvSpPr>
+          <p:nvPr>
+            <p:ph type="ftr" sz="quarter" idx="4"/>
+          </p:nvPr>
+        </p:nvSpPr>
+        <p:spPr>
+          <a:xfrm>
+            <a:off x="0" y="8685213"/>
+            <a:ext cx="2971800" cy="458787"/>
+          </a:xfrm>
+          <a:prstGeom prst="rect">
+            <a:avLst/>
+          </a:prstGeom>
+        </p:spPr>
+        <p:txBody>
+          <a:bodyPr vert="horz" lIns="91440" tIns="45720" rIns="91440" bIns="45720" rtlCol="0" anchor="b"/>
+          <a:lstStyle>
+            <a:lvl1pPr algn="l">
+              <a:defRPr sz="1200"/>
+            </a:lvl1pPr>
+          </a:lstStyle>
+          <a:p>
+            <a:endParaRPr lang="nb-NO"/>
+          </a:p>
+        </p:txBody>
+      </p:sp>
+      <p:sp>
+        <p:nvSpPr>
+          <p:cNvPr id="7" name="Plassholder for lysbildenummer 6"/>
+          <p:cNvSpPr>
+            <a:spLocks noGrp="1"/>
+          </p:cNvSpPr>
+          <p:nvPr>
+            <p:ph type="sldNum" sz="quarter" idx="5"/>
+          </p:nvPr>
+        </p:nvSpPr>
+        <p:spPr>
+          <a:xfrm>
+            <a:off x="3884613" y="8685213"/>
+            <a:ext cx="2971800" cy="458787"/>
+          </a:xfrm>
+          <a:prstGeom prst="rect">
+            <a:avLst/>
+          </a:prstGeom>
+        </p:spPr>
+        <p:txBody>
+          <a:bodyPr vert="horz" lIns="91440" tIns="45720" rIns="91440" bIns="45720" rtlCol="0" anchor="b"/>
+          <a:lstStyle>
+            <a:lvl1pPr algn="r">
+              <a:defRPr sz="1200"/>
+            </a:lvl1pPr>
+          </a:lstStyle>
+          <a:p>
+            <a:fld id="{F7668A3F-B6C1-48BB-A06E-D9B36E1637C0}" type="slidenum">
+              <a:rPr lang="nb-NO" smtClean="0"/>
+              <a:t>‹#›</a:t>
+            </a:fld>
+            <a:endParaRPr lang="nb-NO"/>
+          </a:p>
+        </p:txBody>
+      </p:sp>
+    </p:spTree>
+    <p:extLst>
+      <p:ext uri="{BB962C8B-B14F-4D97-AF65-F5344CB8AC3E}">
+        <p14:creationId xmlns:p14="http://schemas.microsoft.com/office/powerpoint/2010/main" val="841824238"/>
+      </p:ext>
+    </p:extLst>
+  </p:cSld>
+  <p:clrMap bg1="lt1" tx1="dk1" bg2="lt2" tx2="dk2" accent1="accent1" accent2="accent2" accent3="accent3" accent4="accent4" accent5="accent5" accent6="accent6" hlink="hlink" folHlink="folHlink"/>
+  <p:notesStyle>
+    <a:lvl1pPr marL="0" algn="l" defTabSz="914400" rtl="0" eaLnBrk="1" latinLnBrk="0" hangingPunct="1">
+      <a:defRPr sz="1200" kern="1200">
+        <a:solidFill>
+          <a:schemeClr val="tx1"/>
+        </a:solidFill>
+        <a:latin typeface="+mn-lt"/>
+        <a:ea typeface="+mn-ea"/>
+        <a:cs typeface="+mn-cs"/>
+      </a:defRPr>
+    </a:lvl1pPr>
+    <a:lvl2pPr marL="457200" algn="l" defTabSz="914400" rtl="0" eaLnBrk="1" latinLnBrk="0" hangingPunct="1">
+      <a:defRPr sz="1200" kern="1200">
+        <a:solidFill>
+          <a:schemeClr val="tx1"/>
+        </a:solidFill>
+        <a:latin typeface="+mn-lt"/>
+        <a:ea typeface="+mn-ea"/>
+        <a:cs typeface="+mn-cs"/>
+      </a:defRPr>
+    </a:lvl2pPr>
+    <a:lvl3pPr marL="914400" algn="l" defTabSz="914400" rtl="0" eaLnBrk="1" latinLnBrk="0" hangingPunct="1">
+      <a:defRPr sz="1200" kern="1200">
+        <a:solidFill>
+          <a:schemeClr val="tx1"/>
+        </a:solidFill>
+        <a:latin typeface="+mn-lt"/>
+        <a:ea typeface="+mn-ea"/>
+        <a:cs typeface="+mn-cs"/>
+      </a:defRPr>
+    </a:lvl3pPr>
+    <a:lvl4pPr marL="1371600" algn="l" defTabSz="914400" rtl="0" eaLnBrk="1" latinLnBrk="0" hangingPunct="1">
+      <a:defRPr sz="1200" kern="1200">
+        <a:solidFill>
+          <a:schemeClr val="tx1"/>
+        </a:solidFill>
+        <a:latin typeface="+mn-lt"/>
+        <a:ea typeface="+mn-ea"/>
+        <a:cs typeface="+mn-cs"/>
+      </a:defRPr>
+    </a:lvl4pPr>
+    <a:lvl5pPr marL="1828800" algn="l" defTabSz="914400" rtl="0" eaLnBrk="1" latinLnBrk="0" hangingPunct="1">
+      <a:defRPr sz="1200" kern="1200">
+        <a:solidFill>
+          <a:schemeClr val="tx1"/>
+        </a:solidFill>
+        <a:latin typeface="+mn-lt"/>
+        <a:ea typeface="+mn-ea"/>
+        <a:cs typeface="+mn-cs"/>
+      </a:defRPr>
+    </a:lvl5pPr>
+    <a:lvl6pPr marL="2286000" algn="l" defTabSz="914400" rtl="0" eaLnBrk="1" latinLnBrk="0" hangingPunct="1">
+      <a:defRPr sz="1200" kern="1200">
+        <a:solidFill>
+          <a:schemeClr val="tx1"/>
+        </a:solidFill>
+        <a:latin typeface="+mn-lt"/>
+        <a:ea typeface="+mn-ea"/>
+        <a:cs typeface="+mn-cs"/>
+      </a:defRPr>
+    </a:lvl6pPr>
+    <a:lvl7pPr marL="2743200" algn="l" defTabSz="914400" rtl="0" eaLnBrk="1" latinLnBrk="0" hangingPunct="1">
+      <a:defRPr sz="1200" kern="1200">
+        <a:solidFill>
+          <a:schemeClr val="tx1"/>
+        </a:solidFill>
+        <a:latin typeface="+mn-lt"/>
+        <a:ea typeface="+mn-ea"/>
+        <a:cs typeface="+mn-cs"/>
+      </a:defRPr>
+    </a:lvl7pPr>
+    <a:lvl8pPr marL="3200400" algn="l" defTabSz="914400" rtl="0" eaLnBrk="1" latinLnBrk="0" hangingPunct="1">
+      <a:defRPr sz="1200" kern="1200">
+        <a:solidFill>
+          <a:schemeClr val="tx1"/>
+        </a:solidFill>
+        <a:latin typeface="+mn-lt"/>
+        <a:ea typeface="+mn-ea"/>
+        <a:cs typeface="+mn-cs"/>
+      </a:defRPr>
+    </a:lvl8pPr>
+    <a:lvl9pPr marL="3657600" algn="l" defTabSz="914400" rtl="0" eaLnBrk="1" latinLnBrk="0" hangingPunct="1">
+      <a:defRPr sz="1200" kern="1200">
+        <a:solidFill>
+          <a:schemeClr val="tx1"/>
+        </a:solidFill>
+        <a:latin typeface="+mn-lt"/>
+        <a:ea typeface="+mn-ea"/>
+        <a:cs typeface="+mn-cs"/>
+      </a:defRPr>
+    </a:lvl9pPr>
+  </p:notesStyle>
+</p:notesMaster>
+</file>
+
+<file path=ppt/notesSlides/notesSlide1.xml><?xml version="1.0" encoding="utf-8"?>
+<p:notes xmlns:a="http://schemas.openxmlformats.org/drawingml/2006/main" xmlns:r="http://schemas.openxmlformats.org/officeDocument/2006/relationships" xmlns:p="http://schemas.openxmlformats.org/presentationml/2006/main">
+  <p:cSld>
+    <p:spTree>
+      <p:nvGrpSpPr>
+        <p:cNvPr id="1" name=""/>
+        <p:cNvGrpSpPr/>
+        <p:nvPr/>
+      </p:nvGrpSpPr>
+      <p:grpSpPr>
+        <a:xfrm>
+          <a:off x="0" y="0"/>
+          <a:ext cx="0" cy="0"/>
+          <a:chOff x="0" y="0"/>
+          <a:chExt cx="0" cy="0"/>
+        </a:xfrm>
+      </p:grpSpPr>
+      <p:sp>
+        <p:nvSpPr>
+          <p:cNvPr id="2" name="Plassholder for lysbilde 1"/>
+          <p:cNvSpPr>
+            <a:spLocks noGrp="1" noRot="1" noChangeAspect="1"/>
+          </p:cNvSpPr>
+          <p:nvPr>
+            <p:ph type="sldImg"/>
+          </p:nvPr>
+        </p:nvSpPr>
+        <p:spPr/>
+      </p:sp>
+      <p:sp>
+        <p:nvSpPr>
+          <p:cNvPr id="3" name="Plassholder for notater 2"/>
+          <p:cNvSpPr>
+            <a:spLocks noGrp="1"/>
+          </p:cNvSpPr>
+          <p:nvPr>
+            <p:ph type="body" idx="1"/>
+          </p:nvPr>
+        </p:nvSpPr>
+        <p:spPr/>
+        <p:txBody>
+          <a:bodyPr/>
+          <a:lstStyle/>
+          <a:p>
+            <a:r>
+              <a:rPr lang="nb-NO" dirty="0"/>
+              <a:t>Intern gyldighet betyr det samme som troverdighet, altså at det informanten sier kan stoles på</a:t>
+            </a:r>
+          </a:p>
+        </p:txBody>
+      </p:sp>
+      <p:sp>
+        <p:nvSpPr>
+          <p:cNvPr id="4" name="Plassholder for lysbildenummer 3"/>
+          <p:cNvSpPr>
+            <a:spLocks noGrp="1"/>
+          </p:cNvSpPr>
+          <p:nvPr>
+            <p:ph type="sldNum" sz="quarter" idx="5"/>
+          </p:nvPr>
+        </p:nvSpPr>
+        <p:spPr/>
+        <p:txBody>
+          <a:bodyPr/>
+          <a:lstStyle/>
+          <a:p>
+            <a:fld id="{F7668A3F-B6C1-48BB-A06E-D9B36E1637C0}" type="slidenum">
+              <a:rPr lang="nb-NO" smtClean="0"/>
+              <a:t>2</a:t>
+            </a:fld>
+            <a:endParaRPr lang="nb-NO"/>
+          </a:p>
+        </p:txBody>
+      </p:sp>
+    </p:spTree>
+    <p:extLst>
+      <p:ext uri="{BB962C8B-B14F-4D97-AF65-F5344CB8AC3E}">
+        <p14:creationId xmlns:p14="http://schemas.microsoft.com/office/powerpoint/2010/main" val="1598953853"/>
+      </p:ext>
+    </p:extLst>
+  </p:cSld>
+  <p:clrMapOvr>
+    <a:masterClrMapping/>
+  </p:clrMapOvr>
+</p:notes>
+</file>
+
+<file path=ppt/notesSlides/notesSlide2.xml><?xml version="1.0" encoding="utf-8"?>
+<p:notes xmlns:a="http://schemas.openxmlformats.org/drawingml/2006/main" xmlns:r="http://schemas.openxmlformats.org/officeDocument/2006/relationships" xmlns:p="http://schemas.openxmlformats.org/presentationml/2006/main">
+  <p:cSld>
+    <p:spTree>
+      <p:nvGrpSpPr>
+        <p:cNvPr id="1" name=""/>
+        <p:cNvGrpSpPr/>
+        <p:nvPr/>
+      </p:nvGrpSpPr>
+      <p:grpSpPr>
+        <a:xfrm>
+          <a:off x="0" y="0"/>
+          <a:ext cx="0" cy="0"/>
+          <a:chOff x="0" y="0"/>
+          <a:chExt cx="0" cy="0"/>
+        </a:xfrm>
+      </p:grpSpPr>
+      <p:sp>
+        <p:nvSpPr>
+          <p:cNvPr id="2" name="Plassholder for lysbilde 1"/>
+          <p:cNvSpPr>
+            <a:spLocks noGrp="1" noRot="1" noChangeAspect="1"/>
+          </p:cNvSpPr>
+          <p:nvPr>
+            <p:ph type="sldImg"/>
+          </p:nvPr>
+        </p:nvSpPr>
+        <p:spPr/>
+      </p:sp>
+      <p:sp>
+        <p:nvSpPr>
+          <p:cNvPr id="3" name="Plassholder for notater 2"/>
+          <p:cNvSpPr>
+            <a:spLocks noGrp="1"/>
+          </p:cNvSpPr>
+          <p:nvPr>
+            <p:ph type="body" idx="1"/>
+          </p:nvPr>
+        </p:nvSpPr>
+        <p:spPr/>
+        <p:txBody>
+          <a:bodyPr/>
+          <a:lstStyle/>
+          <a:p>
+            <a:r>
+              <a:rPr lang="nb-NO" dirty="0"/>
+              <a:t>Intensive utvalg: sammenligne flere elever som har valgt samme linje</a:t>
+            </a:r>
+          </a:p>
+        </p:txBody>
+      </p:sp>
+      <p:sp>
+        <p:nvSpPr>
+          <p:cNvPr id="4" name="Plassholder for lysbildenummer 3"/>
+          <p:cNvSpPr>
+            <a:spLocks noGrp="1"/>
+          </p:cNvSpPr>
+          <p:nvPr>
+            <p:ph type="sldNum" sz="quarter" idx="5"/>
+          </p:nvPr>
+        </p:nvSpPr>
+        <p:spPr/>
+        <p:txBody>
+          <a:bodyPr/>
+          <a:lstStyle/>
+          <a:p>
+            <a:fld id="{F7668A3F-B6C1-48BB-A06E-D9B36E1637C0}" type="slidenum">
+              <a:rPr lang="nb-NO" smtClean="0"/>
+              <a:t>8</a:t>
+            </a:fld>
+            <a:endParaRPr lang="nb-NO"/>
+          </a:p>
+        </p:txBody>
+      </p:sp>
+    </p:spTree>
+    <p:extLst>
+      <p:ext uri="{BB962C8B-B14F-4D97-AF65-F5344CB8AC3E}">
+        <p14:creationId xmlns:p14="http://schemas.microsoft.com/office/powerpoint/2010/main" val="4161141688"/>
+      </p:ext>
+    </p:extLst>
+  </p:cSld>
+  <p:clrMapOvr>
+    <a:masterClrMapping/>
+  </p:clrMapOvr>
+</p:notes>
+</file>
+
 <file path=ppt/slideLayouts/slideLayout1.xml><?xml version="1.0" encoding="utf-8"?>
 <p:sldLayout xmlns:a="http://schemas.openxmlformats.org/drawingml/2006/main" xmlns:r="http://schemas.openxmlformats.org/officeDocument/2006/relationships" xmlns:p="http://schemas.openxmlformats.org/presentationml/2006/main" type="title" preserve="1">
   <p:cSld name="Title Slide">
@@ -188,7 +796,7 @@
           </a:lstStyle>
           <a:p>
             <a:r>
-              <a:rPr lang="en-US" smtClean="0"/>
+              <a:rPr lang="en-US"/>
               <a:t>Click to edit Master title style</a:t>
             </a:r>
             <a:endParaRPr lang="en-US" dirty="0"/>
@@ -263,7 +871,7 @@
           </a:lstStyle>
           <a:p>
             <a:r>
-              <a:rPr lang="en-US" smtClean="0"/>
+              <a:rPr lang="en-US"/>
               <a:t>Click to edit Master subtitle style</a:t>
             </a:r>
             <a:endParaRPr lang="en-US" dirty="0"/>
@@ -287,7 +895,7 @@
           <a:p>
             <a:fld id="{1160EA64-D806-43AC-9DF2-F8C432F32B4C}" type="datetimeFigureOut">
               <a:rPr lang="en-US" dirty="0"/>
-              <a:t>1/12/2022</a:t>
+              <a:t>1/30/2023</a:t>
             </a:fld>
             <a:endParaRPr lang="en-US" dirty="0"/>
           </a:p>
@@ -377,7 +985,7 @@
           <a:lstStyle/>
           <a:p>
             <a:r>
-              <a:rPr lang="en-US" smtClean="0"/>
+              <a:rPr lang="en-US"/>
               <a:t>Click to edit Master title style</a:t>
             </a:r>
             <a:endParaRPr lang="en-US" dirty="0"/>
@@ -401,35 +1009,35 @@
           <a:p>
             <a:pPr lvl="0"/>
             <a:r>
-              <a:rPr lang="en-US" smtClean="0"/>
+              <a:rPr lang="en-US"/>
               <a:t>Edit Master text styles</a:t>
             </a:r>
           </a:p>
           <a:p>
             <a:pPr lvl="1"/>
             <a:r>
-              <a:rPr lang="en-US" smtClean="0"/>
+              <a:rPr lang="en-US"/>
               <a:t>Second level</a:t>
             </a:r>
           </a:p>
           <a:p>
             <a:pPr lvl="2"/>
             <a:r>
-              <a:rPr lang="en-US" smtClean="0"/>
+              <a:rPr lang="en-US"/>
               <a:t>Third level</a:t>
             </a:r>
           </a:p>
           <a:p>
             <a:pPr lvl="3"/>
             <a:r>
-              <a:rPr lang="en-US" smtClean="0"/>
+              <a:rPr lang="en-US"/>
               <a:t>Fourth level</a:t>
             </a:r>
           </a:p>
           <a:p>
             <a:pPr lvl="4"/>
             <a:r>
-              <a:rPr lang="en-US" smtClean="0"/>
+              <a:rPr lang="en-US"/>
               <a:t>Fifth level</a:t>
             </a:r>
             <a:endParaRPr lang="en-US" dirty="0"/>
@@ -453,7 +1061,7 @@
           <a:p>
             <a:fld id="{E9F9C37B-1D36-470B-8223-D6C91242EC14}" type="datetimeFigureOut">
               <a:rPr lang="en-US" dirty="0"/>
-              <a:t>1/12/2022</a:t>
+              <a:t>1/30/2023</a:t>
             </a:fld>
             <a:endParaRPr lang="en-US" dirty="0"/>
           </a:p>
@@ -547,7 +1155,7 @@
           <a:lstStyle/>
           <a:p>
             <a:r>
-              <a:rPr lang="en-US" smtClean="0"/>
+              <a:rPr lang="en-US"/>
               <a:t>Click to edit Master title style</a:t>
             </a:r>
             <a:endParaRPr lang="en-US" dirty="0"/>
@@ -576,35 +1184,35 @@
           <a:p>
             <a:pPr lvl="0"/>
             <a:r>
-              <a:rPr lang="en-US" smtClean="0"/>
+              <a:rPr lang="en-US"/>
               <a:t>Edit Master text styles</a:t>
             </a:r>
           </a:p>
           <a:p>
             <a:pPr lvl="1"/>
             <a:r>
-              <a:rPr lang="en-US" smtClean="0"/>
+              <a:rPr lang="en-US"/>
               <a:t>Second level</a:t>
             </a:r>
           </a:p>
           <a:p>
             <a:pPr lvl="2"/>
             <a:r>
-              <a:rPr lang="en-US" smtClean="0"/>
+              <a:rPr lang="en-US"/>
               <a:t>Third level</a:t>
             </a:r>
           </a:p>
           <a:p>
             <a:pPr lvl="3"/>
             <a:r>
-              <a:rPr lang="en-US" smtClean="0"/>
+              <a:rPr lang="en-US"/>
               <a:t>Fourth level</a:t>
             </a:r>
           </a:p>
           <a:p>
             <a:pPr lvl="4"/>
             <a:r>
-              <a:rPr lang="en-US" smtClean="0"/>
+              <a:rPr lang="en-US"/>
               <a:t>Fifth level</a:t>
             </a:r>
             <a:endParaRPr lang="en-US" dirty="0"/>
@@ -628,7 +1236,7 @@
           <a:p>
             <a:fld id="{67C6F52A-A82B-47A2-A83A-8C4C91F2D59F}" type="datetimeFigureOut">
               <a:rPr lang="en-US" dirty="0"/>
-              <a:t>1/12/2022</a:t>
+              <a:t>1/30/2023</a:t>
             </a:fld>
             <a:endParaRPr lang="en-US" dirty="0"/>
           </a:p>
@@ -717,7 +1325,7 @@
           <a:lstStyle/>
           <a:p>
             <a:r>
-              <a:rPr lang="en-US" smtClean="0"/>
+              <a:rPr lang="en-US"/>
               <a:t>Click to edit Master title style</a:t>
             </a:r>
             <a:endParaRPr lang="en-US" dirty="0"/>
@@ -741,35 +1349,35 @@
           <a:p>
             <a:pPr lvl="0"/>
             <a:r>
-              <a:rPr lang="en-US" smtClean="0"/>
+              <a:rPr lang="en-US"/>
               <a:t>Edit Master text styles</a:t>
             </a:r>
           </a:p>
           <a:p>
             <a:pPr lvl="1"/>
             <a:r>
-              <a:rPr lang="en-US" smtClean="0"/>
+              <a:rPr lang="en-US"/>
               <a:t>Second level</a:t>
             </a:r>
           </a:p>
           <a:p>
             <a:pPr lvl="2"/>
             <a:r>
-              <a:rPr lang="en-US" smtClean="0"/>
+              <a:rPr lang="en-US"/>
               <a:t>Third level</a:t>
             </a:r>
           </a:p>
           <a:p>
             <a:pPr lvl="3"/>
             <a:r>
-              <a:rPr lang="en-US" smtClean="0"/>
+              <a:rPr lang="en-US"/>
               <a:t>Fourth level</a:t>
             </a:r>
           </a:p>
           <a:p>
             <a:pPr lvl="4"/>
             <a:r>
-              <a:rPr lang="en-US" smtClean="0"/>
+              <a:rPr lang="en-US"/>
               <a:t>Fifth level</a:t>
             </a:r>
             <a:endParaRPr lang="en-US" dirty="0"/>
@@ -793,7 +1401,7 @@
           <a:p>
             <a:fld id="{F070A7B3-6521-4DCA-87E5-044747A908C1}" type="datetimeFigureOut">
               <a:rPr lang="en-US" dirty="0"/>
-              <a:t>1/12/2022</a:t>
+              <a:t>1/30/2023</a:t>
             </a:fld>
             <a:endParaRPr lang="en-US" dirty="0"/>
           </a:p>
@@ -914,7 +1522,7 @@
           </a:lstStyle>
           <a:p>
             <a:r>
-              <a:rPr lang="en-US" smtClean="0"/>
+              <a:rPr lang="en-US"/>
               <a:t>Click to edit Master title style</a:t>
             </a:r>
             <a:endParaRPr lang="en-US" dirty="0"/>
@@ -1034,7 +1642,7 @@
           <a:p>
             <a:pPr lvl="0"/>
             <a:r>
-              <a:rPr lang="en-US" smtClean="0"/>
+              <a:rPr lang="en-US"/>
               <a:t>Edit Master text styles</a:t>
             </a:r>
           </a:p>
@@ -1057,7 +1665,7 @@
           <a:p>
             <a:fld id="{1160EA64-D806-43AC-9DF2-F8C432F32B4C}" type="datetimeFigureOut">
               <a:rPr lang="en-US" dirty="0"/>
-              <a:t>1/12/2022</a:t>
+              <a:t>1/30/2023</a:t>
             </a:fld>
             <a:endParaRPr lang="en-US" dirty="0"/>
           </a:p>
@@ -1147,7 +1755,7 @@
           <a:lstStyle/>
           <a:p>
             <a:r>
-              <a:rPr lang="en-US" smtClean="0"/>
+              <a:rPr lang="en-US"/>
               <a:t>Click to edit Master title style</a:t>
             </a:r>
             <a:endParaRPr lang="en-US" dirty="0"/>
@@ -1176,35 +1784,35 @@
           <a:p>
             <a:pPr lvl="0"/>
             <a:r>
-              <a:rPr lang="en-US" smtClean="0"/>
+              <a:rPr lang="en-US"/>
               <a:t>Edit Master text styles</a:t>
             </a:r>
           </a:p>
           <a:p>
             <a:pPr lvl="1"/>
             <a:r>
-              <a:rPr lang="en-US" smtClean="0"/>
+              <a:rPr lang="en-US"/>
               <a:t>Second level</a:t>
             </a:r>
           </a:p>
           <a:p>
             <a:pPr lvl="2"/>
             <a:r>
-              <a:rPr lang="en-US" smtClean="0"/>
+              <a:rPr lang="en-US"/>
               <a:t>Third level</a:t>
             </a:r>
           </a:p>
           <a:p>
             <a:pPr lvl="3"/>
             <a:r>
-              <a:rPr lang="en-US" smtClean="0"/>
+              <a:rPr lang="en-US"/>
               <a:t>Fourth level</a:t>
             </a:r>
           </a:p>
           <a:p>
             <a:pPr lvl="4"/>
             <a:r>
-              <a:rPr lang="en-US" smtClean="0"/>
+              <a:rPr lang="en-US"/>
               <a:t>Fifth level</a:t>
             </a:r>
             <a:endParaRPr lang="en-US" dirty="0"/>
@@ -1233,35 +1841,35 @@
           <a:p>
             <a:pPr lvl="0"/>
             <a:r>
-              <a:rPr lang="en-US" smtClean="0"/>
+              <a:rPr lang="en-US"/>
               <a:t>Edit Master text styles</a:t>
             </a:r>
           </a:p>
           <a:p>
             <a:pPr lvl="1"/>
             <a:r>
-              <a:rPr lang="en-US" smtClean="0"/>
+              <a:rPr lang="en-US"/>
               <a:t>Second level</a:t>
             </a:r>
           </a:p>
           <a:p>
             <a:pPr lvl="2"/>
             <a:r>
-              <a:rPr lang="en-US" smtClean="0"/>
+              <a:rPr lang="en-US"/>
               <a:t>Third level</a:t>
             </a:r>
           </a:p>
           <a:p>
             <a:pPr lvl="3"/>
             <a:r>
-              <a:rPr lang="en-US" smtClean="0"/>
+              <a:rPr lang="en-US"/>
               <a:t>Fourth level</a:t>
             </a:r>
           </a:p>
           <a:p>
             <a:pPr lvl="4"/>
             <a:r>
-              <a:rPr lang="en-US" smtClean="0"/>
+              <a:rPr lang="en-US"/>
               <a:t>Fifth level</a:t>
             </a:r>
             <a:endParaRPr lang="en-US" dirty="0"/>
@@ -1285,7 +1893,7 @@
           <a:p>
             <a:fld id="{AB134690-1557-4C89-A502-4959FE7FAD70}" type="datetimeFigureOut">
               <a:rPr lang="en-US" dirty="0"/>
-              <a:t>1/12/2022</a:t>
+              <a:t>1/30/2023</a:t>
             </a:fld>
             <a:endParaRPr lang="en-US" dirty="0"/>
           </a:p>
@@ -1425,7 +2033,7 @@
           <a:p>
             <a:pPr lvl="0"/>
             <a:r>
-              <a:rPr lang="en-US" smtClean="0"/>
+              <a:rPr lang="en-US"/>
               <a:t>Edit Master text styles</a:t>
             </a:r>
           </a:p>
@@ -1453,35 +2061,35 @@
           <a:p>
             <a:pPr lvl="0"/>
             <a:r>
-              <a:rPr lang="en-US" smtClean="0"/>
+              <a:rPr lang="en-US"/>
               <a:t>Edit Master text styles</a:t>
             </a:r>
           </a:p>
           <a:p>
             <a:pPr lvl="1"/>
             <a:r>
-              <a:rPr lang="en-US" smtClean="0"/>
+              <a:rPr lang="en-US"/>
               <a:t>Second level</a:t>
             </a:r>
           </a:p>
           <a:p>
             <a:pPr lvl="2"/>
             <a:r>
-              <a:rPr lang="en-US" smtClean="0"/>
+              <a:rPr lang="en-US"/>
               <a:t>Third level</a:t>
             </a:r>
           </a:p>
           <a:p>
             <a:pPr lvl="3"/>
             <a:r>
-              <a:rPr lang="en-US" smtClean="0"/>
+              <a:rPr lang="en-US"/>
               <a:t>Fourth level</a:t>
             </a:r>
           </a:p>
           <a:p>
             <a:pPr lvl="4"/>
             <a:r>
-              <a:rPr lang="en-US" smtClean="0"/>
+              <a:rPr lang="en-US"/>
               <a:t>Fifth level</a:t>
             </a:r>
             <a:endParaRPr lang="en-US" dirty="0"/>
@@ -1514,35 +2122,35 @@
           <a:p>
             <a:pPr lvl="0"/>
             <a:r>
-              <a:rPr lang="en-US" smtClean="0"/>
+              <a:rPr lang="en-US"/>
               <a:t>Edit Master text styles</a:t>
             </a:r>
           </a:p>
           <a:p>
             <a:pPr lvl="1"/>
             <a:r>
-              <a:rPr lang="en-US" smtClean="0"/>
+              <a:rPr lang="en-US"/>
               <a:t>Second level</a:t>
             </a:r>
           </a:p>
           <a:p>
             <a:pPr lvl="2"/>
             <a:r>
-              <a:rPr lang="en-US" smtClean="0"/>
+              <a:rPr lang="en-US"/>
               <a:t>Third level</a:t>
             </a:r>
           </a:p>
           <a:p>
             <a:pPr lvl="3"/>
             <a:r>
-              <a:rPr lang="en-US" smtClean="0"/>
+              <a:rPr lang="en-US"/>
               <a:t>Fourth level</a:t>
             </a:r>
           </a:p>
           <a:p>
             <a:pPr lvl="4"/>
             <a:r>
-              <a:rPr lang="en-US" smtClean="0"/>
+              <a:rPr lang="en-US"/>
               <a:t>Fifth level</a:t>
             </a:r>
             <a:endParaRPr lang="en-US" dirty="0"/>
@@ -1616,7 +2224,7 @@
           <a:p>
             <a:pPr lvl="0"/>
             <a:r>
-              <a:rPr lang="en-US" smtClean="0"/>
+              <a:rPr lang="en-US"/>
               <a:t>Edit Master text styles</a:t>
             </a:r>
           </a:p>
@@ -1639,7 +2247,7 @@
           <a:p>
             <a:fld id="{4F7D4976-E339-4826-83B7-FBD03F55ECF8}" type="datetimeFigureOut">
               <a:rPr lang="en-US" dirty="0"/>
-              <a:t>1/12/2022</a:t>
+              <a:t>1/30/2023</a:t>
             </a:fld>
             <a:endParaRPr lang="en-US" dirty="0"/>
           </a:p>
@@ -1703,7 +2311,7 @@
           <a:lstStyle/>
           <a:p>
             <a:r>
-              <a:rPr lang="en-US" smtClean="0"/>
+              <a:rPr lang="en-US"/>
               <a:t>Click to edit Master title style</a:t>
             </a:r>
             <a:endParaRPr lang="en-US" dirty="0"/>
@@ -1751,7 +2359,7 @@
           <a:lstStyle/>
           <a:p>
             <a:r>
-              <a:rPr lang="en-US" smtClean="0"/>
+              <a:rPr lang="en-US"/>
               <a:t>Click to edit Master title style</a:t>
             </a:r>
             <a:endParaRPr lang="en-US" dirty="0"/>
@@ -1775,7 +2383,7 @@
           <a:p>
             <a:fld id="{E1037C31-9E7A-4F99-8774-A0E530DE1A42}" type="datetimeFigureOut">
               <a:rPr lang="en-US" dirty="0"/>
-              <a:t>1/12/2022</a:t>
+              <a:t>1/30/2023</a:t>
             </a:fld>
             <a:endParaRPr lang="en-US" dirty="0"/>
           </a:p>
@@ -1865,7 +2473,7 @@
           <a:p>
             <a:fld id="{C278504F-A551-4DE0-9316-4DCD1D8CC752}" type="datetimeFigureOut">
               <a:rPr lang="en-US" dirty="0"/>
-              <a:t>1/12/2022</a:t>
+              <a:t>1/30/2023</a:t>
             </a:fld>
             <a:endParaRPr lang="en-US" dirty="0"/>
           </a:p>
@@ -2015,7 +2623,7 @@
           </a:lstStyle>
           <a:p>
             <a:r>
-              <a:rPr lang="en-US" smtClean="0"/>
+              <a:rPr lang="en-US"/>
               <a:t>Click to edit Master title style</a:t>
             </a:r>
             <a:endParaRPr lang="en-US" dirty="0"/>
@@ -2094,35 +2702,35 @@
           <a:p>
             <a:pPr lvl="0"/>
             <a:r>
-              <a:rPr lang="en-US" smtClean="0"/>
+              <a:rPr lang="en-US"/>
               <a:t>Edit Master text styles</a:t>
             </a:r>
           </a:p>
           <a:p>
             <a:pPr lvl="1"/>
             <a:r>
-              <a:rPr lang="en-US" smtClean="0"/>
+              <a:rPr lang="en-US"/>
               <a:t>Second level</a:t>
             </a:r>
           </a:p>
           <a:p>
             <a:pPr lvl="2"/>
             <a:r>
-              <a:rPr lang="en-US" smtClean="0"/>
+              <a:rPr lang="en-US"/>
               <a:t>Third level</a:t>
             </a:r>
           </a:p>
           <a:p>
             <a:pPr lvl="3"/>
             <a:r>
-              <a:rPr lang="en-US" smtClean="0"/>
+              <a:rPr lang="en-US"/>
               <a:t>Fourth level</a:t>
             </a:r>
           </a:p>
           <a:p>
             <a:pPr lvl="4"/>
             <a:r>
-              <a:rPr lang="en-US" smtClean="0"/>
+              <a:rPr lang="en-US"/>
               <a:t>Fifth level</a:t>
             </a:r>
             <a:endParaRPr lang="en-US" dirty="0"/>
@@ -2194,7 +2802,7 @@
           <a:p>
             <a:pPr lvl="0"/>
             <a:r>
-              <a:rPr lang="en-US" smtClean="0"/>
+              <a:rPr lang="en-US"/>
               <a:t>Edit Master text styles</a:t>
             </a:r>
           </a:p>
@@ -2217,7 +2825,7 @@
           <a:p>
             <a:fld id="{D1BE4249-C0D0-4B06-8692-E8BB871AF643}" type="datetimeFigureOut">
               <a:rPr lang="en-US" dirty="0"/>
-              <a:t>1/12/2022</a:t>
+              <a:t>1/30/2023</a:t>
             </a:fld>
             <a:endParaRPr lang="en-US" dirty="0"/>
           </a:p>
@@ -2382,7 +2990,7 @@
           </a:lstStyle>
           <a:p>
             <a:r>
-              <a:rPr lang="en-US" smtClean="0"/>
+              <a:rPr lang="en-US"/>
               <a:t>Click to edit Master title style</a:t>
             </a:r>
             <a:endParaRPr lang="en-US" dirty="0"/>
@@ -2459,7 +3067,7 @@
           </a:lstStyle>
           <a:p>
             <a:r>
-              <a:rPr lang="en-US" smtClean="0"/>
+              <a:rPr lang="en-US"/>
               <a:t>Click icon to add picture</a:t>
             </a:r>
             <a:endParaRPr lang="en-US" dirty="0"/>
@@ -2531,7 +3139,7 @@
           <a:p>
             <a:pPr lvl="0"/>
             <a:r>
-              <a:rPr lang="en-US" smtClean="0"/>
+              <a:rPr lang="en-US"/>
               <a:t>Edit Master text styles</a:t>
             </a:r>
           </a:p>
@@ -2569,7 +3177,7 @@
           <a:p>
             <a:fld id="{042B0DB6-F5C7-45FB-8CF3-31B45F9C2DAC}" type="datetimeFigureOut">
               <a:rPr lang="en-US" dirty="0"/>
-              <a:t>1/12/2022</a:t>
+              <a:t>1/30/2023</a:t>
             </a:fld>
             <a:endParaRPr lang="en-US" dirty="0"/>
           </a:p>
@@ -2702,7 +3310,7 @@
           <a:lstStyle/>
           <a:p>
             <a:r>
-              <a:rPr lang="en-US" smtClean="0"/>
+              <a:rPr lang="en-US"/>
               <a:t>Click to edit Master title style</a:t>
             </a:r>
             <a:endParaRPr lang="en-US" dirty="0"/>
@@ -2805,7 +3413,7 @@
           <a:p>
             <a:fld id="{1160EA64-D806-43AC-9DF2-F8C432F32B4C}" type="datetimeFigureOut">
               <a:rPr lang="en-US" dirty="0"/>
-              <a:t>1/12/2022</a:t>
+              <a:t>1/30/2023</a:t>
             </a:fld>
             <a:endParaRPr lang="en-US" dirty="0"/>
           </a:p>
@@ -3270,10 +3878,9 @@
           <a:lstStyle/>
           <a:p>
             <a:r>
-              <a:rPr lang="nb-NO" dirty="0" smtClean="0"/>
+              <a:rPr lang="nb-NO" dirty="0"/>
               <a:t>Utvelgelse av informanter</a:t>
             </a:r>
-            <a:endParaRPr lang="nb-NO" dirty="0"/>
           </a:p>
         </p:txBody>
       </p:sp>
@@ -3293,10 +3900,9 @@
           <a:lstStyle/>
           <a:p>
             <a:r>
-              <a:rPr lang="nb-NO" dirty="0" smtClean="0"/>
+              <a:rPr lang="nb-NO" dirty="0"/>
               <a:t>Anne Sørebø - USN</a:t>
             </a:r>
-            <a:endParaRPr lang="nb-NO" dirty="0"/>
           </a:p>
         </p:txBody>
       </p:sp>
@@ -3310,13 +3916,6 @@
   <p:clrMapOvr>
     <a:masterClrMapping/>
   </p:clrMapOvr>
-  <p:timing>
-    <p:tnLst>
-      <p:par>
-        <p:cTn id="1" dur="indefinite" restart="never" nodeType="tmRoot"/>
-      </p:par>
-    </p:tnLst>
-  </p:timing>
 </p:sld>
 </file>
 
@@ -3358,17 +3957,16 @@
           <a:lstStyle/>
           <a:p>
             <a:r>
-              <a:rPr lang="nb-NO" dirty="0" smtClean="0"/>
+              <a:rPr lang="nb-NO" dirty="0"/>
               <a:t>Utvalgsstrategier</a:t>
             </a:r>
             <a:br>
-              <a:rPr lang="nb-NO" dirty="0" smtClean="0"/>
+              <a:rPr lang="nb-NO" dirty="0"/>
             </a:br>
             <a:r>
-              <a:rPr lang="nb-NO" dirty="0" smtClean="0"/>
+              <a:rPr lang="nb-NO" dirty="0"/>
               <a:t>gruppekarakteristikker</a:t>
             </a:r>
-            <a:endParaRPr lang="nb-NO" dirty="0"/>
           </a:p>
         </p:txBody>
       </p:sp>
@@ -3399,7 +3997,7 @@
               <a:buAutoNum type="arabicPeriod" startAt="3"/>
             </a:pPr>
             <a:r>
-              <a:rPr lang="nb-NO" sz="2000" dirty="0" smtClean="0"/>
+              <a:rPr lang="nb-NO" sz="2000" dirty="0"/>
               <a:t>Utvalg basert på gruppekarakteristikker</a:t>
             </a:r>
           </a:p>
@@ -3408,36 +4006,28 @@
               <a:buNone/>
             </a:pPr>
             <a:r>
-              <a:rPr lang="nb-NO" dirty="0" smtClean="0"/>
-              <a:t>3.a) Homogent </a:t>
-            </a:r>
-            <a:r>
-              <a:rPr lang="nb-NO" dirty="0" smtClean="0"/>
-              <a:t>utvalg (svært liten variasjon ut fra sentrale kjennetegn)</a:t>
+              <a:rPr lang="nb-NO" dirty="0"/>
+              <a:t>3.a) Homogent utvalg (svært liten variasjon ut fra sentrale kjennetegn)</a:t>
             </a:r>
           </a:p>
           <a:p>
             <a:pPr lvl="2"/>
             <a:r>
-              <a:rPr lang="nb-NO" dirty="0" smtClean="0"/>
+              <a:rPr lang="nb-NO" dirty="0"/>
               <a:t>Typiske tilfeller</a:t>
             </a:r>
           </a:p>
           <a:p>
             <a:pPr lvl="2"/>
             <a:r>
-              <a:rPr lang="nb-NO" dirty="0" smtClean="0"/>
-              <a:t>Håndballpublikum (personer med årskort</a:t>
-            </a:r>
-            <a:r>
-              <a:rPr lang="nb-NO" dirty="0" smtClean="0"/>
-              <a:t>)</a:t>
+              <a:rPr lang="nb-NO" dirty="0"/>
+              <a:t>Håndballpublikum (personer med årskort)</a:t>
             </a:r>
           </a:p>
           <a:p>
             <a:pPr lvl="2"/>
             <a:r>
-              <a:rPr lang="nb-NO" dirty="0" smtClean="0"/>
+              <a:rPr lang="nb-NO" dirty="0"/>
               <a:t>Vanlig ved gruppesamtaler</a:t>
             </a:r>
           </a:p>
@@ -3445,34 +4035,22 @@
             <a:pPr marL="228600" lvl="1" indent="0">
               <a:buNone/>
             </a:pPr>
-            <a:endParaRPr lang="nb-NO" dirty="0" smtClean="0"/>
+            <a:endParaRPr lang="nb-NO" dirty="0"/>
           </a:p>
           <a:p>
             <a:pPr marL="228600" lvl="1" indent="0">
               <a:buNone/>
             </a:pPr>
             <a:r>
-              <a:rPr lang="nb-NO" dirty="0" smtClean="0"/>
-              <a:t>3 b) Kvoteutvelgelse </a:t>
-            </a:r>
-            <a:r>
-              <a:rPr lang="nb-NO" dirty="0" smtClean="0"/>
-              <a:t>eller stratifisert utvalg</a:t>
+              <a:rPr lang="nb-NO" dirty="0"/>
+              <a:t>3 b) Kvoteutvelgelse eller stratifisert utvalg</a:t>
             </a:r>
           </a:p>
           <a:p>
             <a:pPr lvl="2"/>
             <a:r>
-              <a:rPr lang="nb-NO" dirty="0" smtClean="0"/>
-              <a:t>x antall studenter med middels gode karakterer, x antall med svært gode karakterer </a:t>
-            </a:r>
-            <a:r>
-              <a:rPr lang="nb-NO" dirty="0" smtClean="0"/>
-              <a:t>og </a:t>
-            </a:r>
-            <a:r>
-              <a:rPr lang="nb-NO" dirty="0" smtClean="0"/>
-              <a:t>x antall med dårlige karakterer</a:t>
+              <a:rPr lang="nb-NO" dirty="0"/>
+              <a:t>x antall studenter med middels gode karakterer, x antall med svært gode karakterer og x antall med dårlige karakterer</a:t>
             </a:r>
           </a:p>
           <a:p>
@@ -3480,28 +4058,23 @@
               <a:buNone/>
             </a:pPr>
             <a:r>
-              <a:rPr lang="nb-NO" dirty="0" smtClean="0"/>
-              <a:t>3 c) Kritiske </a:t>
-            </a:r>
-            <a:r>
-              <a:rPr lang="nb-NO" dirty="0" smtClean="0"/>
-              <a:t>tilfeller</a:t>
+              <a:rPr lang="nb-NO" dirty="0"/>
+              <a:t>3 c) Kritiske tilfeller</a:t>
             </a:r>
           </a:p>
           <a:p>
             <a:pPr lvl="2"/>
             <a:r>
-              <a:rPr lang="nb-NO" dirty="0" smtClean="0"/>
+              <a:rPr lang="nb-NO" dirty="0"/>
               <a:t>Dersom det skjer her kan vi være temmelig sikre på at det skjer andre steder også</a:t>
             </a:r>
           </a:p>
           <a:p>
             <a:pPr lvl="3"/>
             <a:r>
-              <a:rPr lang="nb-NO" dirty="0" smtClean="0"/>
+              <a:rPr lang="nb-NO" dirty="0"/>
               <a:t>Dersom masterstudentene har problemer med å forstå hvordan de skal melde seg opp til eksamen, er det stor sannsynlighet at studenter på lavere nivå også har problemer</a:t>
             </a:r>
-            <a:endParaRPr lang="nb-NO" dirty="0"/>
           </a:p>
         </p:txBody>
       </p:sp>
@@ -4591,17 +5164,16 @@
           <a:lstStyle/>
           <a:p>
             <a:r>
-              <a:rPr lang="nb-NO" dirty="0" smtClean="0"/>
+              <a:rPr lang="nb-NO" dirty="0"/>
               <a:t>Utvalgsstrategier</a:t>
             </a:r>
             <a:br>
-              <a:rPr lang="nb-NO" dirty="0" smtClean="0"/>
+              <a:rPr lang="nb-NO" dirty="0"/>
             </a:br>
             <a:r>
-              <a:rPr lang="nb-NO" dirty="0" smtClean="0"/>
+              <a:rPr lang="nb-NO" dirty="0"/>
               <a:t>gruppekarakteristikker</a:t>
             </a:r>
-            <a:endParaRPr lang="nb-NO" dirty="0"/>
           </a:p>
         </p:txBody>
       </p:sp>
@@ -4626,41 +5198,34 @@
           <a:lstStyle/>
           <a:p>
             <a:r>
-              <a:rPr lang="nb-NO" dirty="0" smtClean="0"/>
+              <a:rPr lang="nb-NO" dirty="0"/>
               <a:t>3 d) Snøballmetoden</a:t>
             </a:r>
-            <a:endParaRPr lang="nb-NO" dirty="0" smtClean="0"/>
+          </a:p>
+          <a:p>
+            <a:r>
+              <a:rPr lang="nb-NO" dirty="0"/>
+              <a:t>Viktig mtp kvalitativ studie</a:t>
+            </a:r>
+            <a:r>
+              <a:rPr lang="nb-NO"/>
+              <a:t>/metode???</a:t>
+            </a:r>
+            <a:endParaRPr lang="nb-NO" dirty="0"/>
           </a:p>
           <a:p>
             <a:pPr lvl="1"/>
             <a:r>
-              <a:rPr lang="nb-NO" dirty="0" smtClean="0"/>
+              <a:rPr lang="nb-NO" dirty="0"/>
               <a:t>Starter med en informant som anbefaler en neste som anbefaler eller kommer med forslag til neste</a:t>
             </a:r>
           </a:p>
           <a:p>
             <a:pPr lvl="2"/>
             <a:r>
-              <a:rPr lang="nb-NO" dirty="0" smtClean="0"/>
-              <a:t>Intervjue personer som lever med kroniske smerter, </a:t>
-            </a:r>
-            <a:r>
               <a:rPr lang="nb-NO" dirty="0"/>
-              <a:t> </a:t>
-            </a:r>
-            <a:r>
-              <a:rPr lang="nb-NO" dirty="0" smtClean="0"/>
-              <a:t>den </a:t>
-            </a:r>
-            <a:r>
-              <a:rPr lang="nb-NO" dirty="0" smtClean="0"/>
-              <a:t>første personen vi intervjuer kjenner kanskje en annen som også lever med kroniske </a:t>
-            </a:r>
-            <a:r>
-              <a:rPr lang="nb-NO" dirty="0" smtClean="0"/>
-              <a:t>smerter, denne kjenner ennå en osv.</a:t>
-            </a:r>
-            <a:endParaRPr lang="nb-NO" dirty="0" smtClean="0"/>
+              <a:t>Intervjue personer som lever med kroniske smerter,  den første personen vi intervjuer kjenner kanskje en annen som også lever med kroniske smerter, denne kjenner ennå en osv.</a:t>
+            </a:r>
           </a:p>
           <a:p>
             <a:pPr lvl="1"/>
@@ -4772,7 +5337,7 @@
                             </p:stCondLst>
                             <p:childTnLst>
                               <p:par>
-                                <p:cTn id="9" presetID="2" presetClass="entr" presetSubtype="4" fill="hold" nodeType="clickEffect">
+                                <p:cTn id="9" presetID="1" presetClass="entr" presetSubtype="0" fill="hold" nodeType="clickEffect">
                                   <p:stCondLst>
                                     <p:cond delay="0"/>
                                   </p:stCondLst>
@@ -4780,6 +5345,55 @@
                                     <p:set>
                                       <p:cBhvr>
                                         <p:cTn id="10" dur="1" fill="hold">
+                                          <p:stCondLst>
+                                            <p:cond delay="0"/>
+                                          </p:stCondLst>
+                                        </p:cTn>
+                                        <p:tgtEl>
+                                          <p:spTgt spid="3">
+                                            <p:txEl>
+                                              <p:pRg st="1" end="1"/>
+                                            </p:txEl>
+                                          </p:spTgt>
+                                        </p:tgtEl>
+                                        <p:attrNameLst>
+                                          <p:attrName>style.visibility</p:attrName>
+                                        </p:attrNameLst>
+                                      </p:cBhvr>
+                                      <p:to>
+                                        <p:strVal val="visible"/>
+                                      </p:to>
+                                    </p:set>
+                                  </p:childTnLst>
+                                </p:cTn>
+                              </p:par>
+                            </p:childTnLst>
+                          </p:cTn>
+                        </p:par>
+                      </p:childTnLst>
+                    </p:cTn>
+                  </p:par>
+                  <p:par>
+                    <p:cTn id="11" fill="hold">
+                      <p:stCondLst>
+                        <p:cond delay="indefinite"/>
+                      </p:stCondLst>
+                      <p:childTnLst>
+                        <p:par>
+                          <p:cTn id="12" fill="hold">
+                            <p:stCondLst>
+                              <p:cond delay="0"/>
+                            </p:stCondLst>
+                            <p:childTnLst>
+                              <p:par>
+                                <p:cTn id="13" presetID="2" presetClass="entr" presetSubtype="4" fill="hold" nodeType="clickEffect">
+                                  <p:stCondLst>
+                                    <p:cond delay="0"/>
+                                  </p:stCondLst>
+                                  <p:childTnLst>
+                                    <p:set>
+                                      <p:cBhvr>
+                                        <p:cTn id="14" dur="1" fill="hold">
                                           <p:stCondLst>
                                             <p:cond delay="0"/>
                                           </p:stCondLst>
@@ -4797,7 +5411,7 @@
                                     </p:set>
                                     <p:anim calcmode="lin" valueType="num">
                                       <p:cBhvr additive="base">
-                                        <p:cTn id="11" dur="500" fill="hold"/>
+                                        <p:cTn id="15" dur="500" fill="hold"/>
                                         <p:tgtEl>
                                           <p:spTgt spid="5"/>
                                         </p:tgtEl>
@@ -4820,7 +5434,7 @@
                                     </p:anim>
                                     <p:anim calcmode="lin" valueType="num">
                                       <p:cBhvr additive="base">
-                                        <p:cTn id="12" dur="500" fill="hold"/>
+                                        <p:cTn id="16" dur="500" fill="hold"/>
                                         <p:tgtEl>
                                           <p:spTgt spid="5"/>
                                         </p:tgtEl>
@@ -4851,26 +5465,26 @@
                     </p:cTn>
                   </p:par>
                   <p:par>
-                    <p:cTn id="13" fill="hold">
+                    <p:cTn id="17" fill="hold">
                       <p:stCondLst>
                         <p:cond delay="indefinite"/>
                       </p:stCondLst>
                       <p:childTnLst>
                         <p:par>
-                          <p:cTn id="14" fill="hold">
+                          <p:cTn id="18" fill="hold">
                             <p:stCondLst>
                               <p:cond delay="0"/>
                             </p:stCondLst>
                             <p:childTnLst>
                               <p:par>
-                                <p:cTn id="15" presetID="2" presetClass="entr" presetSubtype="4" fill="hold" nodeType="clickEffect">
+                                <p:cTn id="19" presetID="2" presetClass="entr" presetSubtype="4" fill="hold" nodeType="clickEffect">
                                   <p:stCondLst>
                                     <p:cond delay="0"/>
                                   </p:stCondLst>
                                   <p:childTnLst>
                                     <p:set>
                                       <p:cBhvr>
-                                        <p:cTn id="16" dur="1" fill="hold">
+                                        <p:cTn id="20" dur="1" fill="hold">
                                           <p:stCondLst>
                                             <p:cond delay="0"/>
                                           </p:stCondLst>
@@ -4878,7 +5492,7 @@
                                         <p:tgtEl>
                                           <p:spTgt spid="3">
                                             <p:txEl>
-                                              <p:pRg st="1" end="1"/>
+                                              <p:pRg st="2" end="2"/>
                                             </p:txEl>
                                           </p:spTgt>
                                         </p:tgtEl>
@@ -4892,11 +5506,11 @@
                                     </p:set>
                                     <p:anim calcmode="lin" valueType="num">
                                       <p:cBhvr additive="base">
-                                        <p:cTn id="17" dur="500" fill="hold"/>
-                                        <p:tgtEl>
-                                          <p:spTgt spid="3">
-                                            <p:txEl>
-                                              <p:pRg st="1" end="1"/>
+                                        <p:cTn id="21" dur="500" fill="hold"/>
+                                        <p:tgtEl>
+                                          <p:spTgt spid="3">
+                                            <p:txEl>
+                                              <p:pRg st="2" end="2"/>
                                             </p:txEl>
                                           </p:spTgt>
                                         </p:tgtEl>
@@ -4919,11 +5533,11 @@
                                     </p:anim>
                                     <p:anim calcmode="lin" valueType="num">
                                       <p:cBhvr additive="base">
-                                        <p:cTn id="18" dur="500" fill="hold"/>
-                                        <p:tgtEl>
-                                          <p:spTgt spid="3">
-                                            <p:txEl>
-                                              <p:pRg st="1" end="1"/>
+                                        <p:cTn id="22" dur="500" fill="hold"/>
+                                        <p:tgtEl>
+                                          <p:spTgt spid="3">
+                                            <p:txEl>
+                                              <p:pRg st="2" end="2"/>
                                             </p:txEl>
                                           </p:spTgt>
                                         </p:tgtEl>
@@ -4954,26 +5568,26 @@
                     </p:cTn>
                   </p:par>
                   <p:par>
-                    <p:cTn id="19" fill="hold">
+                    <p:cTn id="23" fill="hold">
                       <p:stCondLst>
                         <p:cond delay="indefinite"/>
                       </p:stCondLst>
                       <p:childTnLst>
                         <p:par>
-                          <p:cTn id="20" fill="hold">
+                          <p:cTn id="24" fill="hold">
                             <p:stCondLst>
                               <p:cond delay="0"/>
                             </p:stCondLst>
                             <p:childTnLst>
                               <p:par>
-                                <p:cTn id="21" presetID="16" presetClass="entr" presetSubtype="21" fill="hold" nodeType="clickEffect">
+                                <p:cTn id="25" presetID="16" presetClass="entr" presetSubtype="21" fill="hold" nodeType="clickEffect">
                                   <p:stCondLst>
                                     <p:cond delay="0"/>
                                   </p:stCondLst>
                                   <p:childTnLst>
                                     <p:set>
                                       <p:cBhvr>
-                                        <p:cTn id="22" dur="1" fill="hold">
+                                        <p:cTn id="26" dur="1" fill="hold">
                                           <p:stCondLst>
                                             <p:cond delay="0"/>
                                           </p:stCondLst>
@@ -4981,7 +5595,7 @@
                                         <p:tgtEl>
                                           <p:spTgt spid="3">
                                             <p:txEl>
-                                              <p:pRg st="2" end="2"/>
+                                              <p:pRg st="3" end="3"/>
                                             </p:txEl>
                                           </p:spTgt>
                                         </p:tgtEl>
@@ -4995,11 +5609,11 @@
                                     </p:set>
                                     <p:animEffect transition="in" filter="barn(inVertical)">
                                       <p:cBhvr>
-                                        <p:cTn id="23" dur="500"/>
-                                        <p:tgtEl>
-                                          <p:spTgt spid="3">
-                                            <p:txEl>
-                                              <p:pRg st="2" end="2"/>
+                                        <p:cTn id="27" dur="500"/>
+                                        <p:tgtEl>
+                                          <p:spTgt spid="3">
+                                            <p:txEl>
+                                              <p:pRg st="3" end="3"/>
                                             </p:txEl>
                                           </p:spTgt>
                                         </p:tgtEl>
@@ -5072,17 +5686,16 @@
           <a:lstStyle/>
           <a:p>
             <a:r>
-              <a:rPr lang="nb-NO" dirty="0" smtClean="0"/>
+              <a:rPr lang="nb-NO" dirty="0"/>
               <a:t>Utvalgskriterier</a:t>
             </a:r>
             <a:br>
-              <a:rPr lang="nb-NO" dirty="0" smtClean="0"/>
+              <a:rPr lang="nb-NO" dirty="0"/>
             </a:br>
             <a:r>
-              <a:rPr lang="nb-NO" dirty="0" smtClean="0"/>
+              <a:rPr lang="nb-NO" dirty="0"/>
               <a:t>gruppekarakteristikker</a:t>
             </a:r>
-            <a:endParaRPr lang="nb-NO" dirty="0"/>
           </a:p>
         </p:txBody>
       </p:sp>
@@ -5105,14 +5718,14 @@
               <a:buNone/>
             </a:pPr>
             <a:r>
-              <a:rPr lang="nb-NO" dirty="0" smtClean="0"/>
+              <a:rPr lang="nb-NO" dirty="0"/>
               <a:t>3 e) Kriteriebasert utvelgelse</a:t>
             </a:r>
           </a:p>
           <a:p>
             <a:pPr lvl="1"/>
             <a:r>
-              <a:rPr lang="nb-NO" dirty="0" smtClean="0"/>
+              <a:rPr lang="nb-NO" dirty="0"/>
               <a:t>Informanter må oppfylle spesielle kriterier</a:t>
             </a:r>
           </a:p>
@@ -5123,22 +5736,22 @@
           <a:p>
             <a:pPr lvl="1"/>
             <a:r>
-              <a:rPr lang="nb-NO" dirty="0" smtClean="0"/>
+              <a:rPr lang="nb-NO" dirty="0"/>
               <a:t>Informanter som har gjennomgått </a:t>
             </a:r>
             <a:r>
-              <a:rPr lang="nb-NO" dirty="0" err="1" smtClean="0"/>
+              <a:rPr lang="nb-NO" dirty="0" err="1"/>
               <a:t>Covid</a:t>
             </a:r>
             <a:r>
-              <a:rPr lang="nb-NO" dirty="0" smtClean="0"/>
+              <a:rPr lang="nb-NO" dirty="0"/>
               <a:t> 19 sykdom</a:t>
             </a:r>
           </a:p>
           <a:p>
             <a:pPr lvl="1"/>
             <a:r>
-              <a:rPr lang="nb-NO" dirty="0" smtClean="0"/>
+              <a:rPr lang="nb-NO" dirty="0"/>
               <a:t>Informanter som har hoppet av et studieløp i løpet av «pandemien»</a:t>
             </a:r>
           </a:p>
@@ -5580,17 +6193,16 @@
           <a:lstStyle/>
           <a:p>
             <a:r>
-              <a:rPr lang="nb-NO" dirty="0" smtClean="0"/>
+              <a:rPr lang="nb-NO" dirty="0"/>
               <a:t>Utvalgskriterier</a:t>
             </a:r>
             <a:br>
-              <a:rPr lang="nb-NO" dirty="0" smtClean="0"/>
+              <a:rPr lang="nb-NO" dirty="0"/>
             </a:br>
             <a:r>
-              <a:rPr lang="nb-NO" dirty="0" smtClean="0"/>
+              <a:rPr lang="nb-NO" dirty="0"/>
               <a:t>teoribasert utvalg</a:t>
             </a:r>
-            <a:endParaRPr lang="nb-NO" dirty="0"/>
           </a:p>
         </p:txBody>
       </p:sp>
@@ -5614,46 +6226,37 @@
               <a:buAutoNum type="arabicPeriod" startAt="4"/>
             </a:pPr>
             <a:r>
-              <a:rPr lang="nb-NO" dirty="0" smtClean="0"/>
+              <a:rPr lang="nb-NO" dirty="0"/>
               <a:t>Bekreftende eller avkreftende utvalg</a:t>
             </a:r>
           </a:p>
           <a:p>
             <a:pPr lvl="1"/>
             <a:r>
-              <a:rPr lang="nb-NO" dirty="0" smtClean="0"/>
+              <a:rPr lang="nb-NO" dirty="0"/>
               <a:t>Ser etter tilfeller som vil bekrefte eller avkrefte hypoteser</a:t>
             </a:r>
           </a:p>
           <a:p>
             <a:pPr lvl="2"/>
             <a:r>
-              <a:rPr lang="nb-NO" dirty="0" smtClean="0"/>
+              <a:rPr lang="nb-NO" dirty="0"/>
               <a:t>Studerer ledere og deres møter med ansatte i en bedrift som trues av masseoppsigelser eller nedleggelse</a:t>
             </a:r>
           </a:p>
           <a:p>
             <a:pPr lvl="2"/>
             <a:r>
-              <a:rPr lang="nb-NO" dirty="0" smtClean="0"/>
-              <a:t>Finne en </a:t>
-            </a:r>
-            <a:r>
               <a:rPr lang="nb-NO" dirty="0"/>
-              <a:t>a</a:t>
-            </a:r>
-            <a:r>
-              <a:rPr lang="nb-NO" dirty="0" smtClean="0"/>
-              <a:t>nnen bedrift i samme situasjon eller en bedrift som har vært igjennom nedbemanning</a:t>
+              <a:t>Finne en annen bedrift i samme situasjon eller en bedrift som har vært igjennom nedbemanning</a:t>
             </a:r>
           </a:p>
           <a:p>
             <a:pPr lvl="3"/>
             <a:r>
-              <a:rPr lang="nb-NO" dirty="0" smtClean="0"/>
+              <a:rPr lang="nb-NO" dirty="0"/>
               <a:t>Målet er å bekrefte eller avkrefte at hovedfunnene gjelder generelt for ledere i truede  norske bedrifter</a:t>
             </a:r>
-            <a:endParaRPr lang="nb-NO" dirty="0"/>
           </a:p>
         </p:txBody>
       </p:sp>
@@ -5667,13 +6270,13 @@
   <p:clrMapOvr>
     <a:masterClrMapping/>
   </p:clrMapOvr>
-  <mc:AlternateContent xmlns:mc="http://schemas.openxmlformats.org/markup-compatibility/2006">
-    <mc:Choice xmlns:p14="http://schemas.microsoft.com/office/powerpoint/2010/main" Requires="p14">
+  <mc:AlternateContent xmlns:mc="http://schemas.openxmlformats.org/markup-compatibility/2006" xmlns:p14="http://schemas.microsoft.com/office/powerpoint/2010/main">
+    <mc:Choice Requires="p14">
       <p:transition spd="med" p14:dur="700">
         <p:fade/>
       </p:transition>
     </mc:Choice>
-    <mc:Fallback>
+    <mc:Fallback xmlns="">
       <p:transition spd="med">
         <p:fade/>
       </p:transition>
@@ -6158,10 +6761,9 @@
           <a:lstStyle/>
           <a:p>
             <a:r>
-              <a:rPr lang="nb-NO" dirty="0" smtClean="0"/>
+              <a:rPr lang="nb-NO" dirty="0"/>
               <a:t>Informanter</a:t>
             </a:r>
-            <a:endParaRPr lang="nb-NO" dirty="0"/>
           </a:p>
         </p:txBody>
       </p:sp>
@@ -6183,36 +6785,36 @@
           <a:lstStyle/>
           <a:p>
             <a:r>
-              <a:rPr lang="nb-NO" dirty="0" smtClean="0"/>
+              <a:rPr lang="nb-NO" dirty="0"/>
               <a:t>I kvalitative intervjuer ønsker vi </a:t>
             </a:r>
             <a:r>
-              <a:rPr lang="nb-NO" u="sng" dirty="0" smtClean="0"/>
+              <a:rPr lang="nb-NO" u="sng" dirty="0"/>
               <a:t>fyldige beskrivelser</a:t>
             </a:r>
           </a:p>
           <a:p>
             <a:r>
-              <a:rPr lang="nb-NO" dirty="0" smtClean="0"/>
+              <a:rPr lang="nb-NO" dirty="0"/>
               <a:t>Vi vil ha informanter som kan gi oss </a:t>
             </a:r>
             <a:r>
-              <a:rPr lang="nb-NO" u="sng" dirty="0" smtClean="0"/>
+              <a:rPr lang="nb-NO" u="sng" dirty="0"/>
               <a:t>ny, grundig og nyttig informasjon</a:t>
             </a:r>
           </a:p>
           <a:p>
             <a:r>
-              <a:rPr lang="nb-NO" dirty="0" smtClean="0"/>
+              <a:rPr lang="nb-NO" dirty="0"/>
               <a:t>Vi vil forstå hvordan informanten oppfatter virkeligheten rundt seg</a:t>
             </a:r>
           </a:p>
           <a:p>
-            <a:endParaRPr lang="nb-NO" dirty="0" smtClean="0"/>
-          </a:p>
-          <a:p>
-            <a:r>
-              <a:rPr lang="nb-NO" dirty="0" smtClean="0"/>
+            <a:endParaRPr lang="nb-NO" dirty="0"/>
+          </a:p>
+          <a:p>
+            <a:r>
+              <a:rPr lang="nb-NO" dirty="0"/>
               <a:t>Intern gyldighet og realisme blir viktig</a:t>
             </a:r>
           </a:p>
@@ -6221,24 +6823,23 @@
           </a:p>
           <a:p>
             <a:r>
-              <a:rPr lang="nb-NO" u="sng" dirty="0" smtClean="0"/>
+              <a:rPr lang="nb-NO" u="sng" dirty="0"/>
               <a:t>Strategisk utvelging av informanter</a:t>
             </a:r>
           </a:p>
           <a:p>
             <a:r>
-              <a:rPr lang="nb-NO" dirty="0" smtClean="0"/>
+              <a:rPr lang="nb-NO" dirty="0"/>
               <a:t>Utvalget skal være </a:t>
             </a:r>
             <a:r>
-              <a:rPr lang="nb-NO" u="sng" dirty="0" smtClean="0"/>
+              <a:rPr lang="nb-NO" u="sng" dirty="0"/>
               <a:t>hensiktsmessig</a:t>
             </a:r>
             <a:r>
-              <a:rPr lang="nb-NO" dirty="0" smtClean="0"/>
+              <a:rPr lang="nb-NO" dirty="0"/>
               <a:t>, ikke nødvendigvis representativt</a:t>
             </a:r>
-            <a:endParaRPr lang="nb-NO" dirty="0"/>
           </a:p>
         </p:txBody>
       </p:sp>
@@ -7771,10 +8372,9 @@
           <a:lstStyle/>
           <a:p>
             <a:r>
-              <a:rPr lang="nb-NO" dirty="0" smtClean="0"/>
+              <a:rPr lang="nb-NO" dirty="0"/>
               <a:t>Utvalgsstørrelse</a:t>
             </a:r>
-            <a:endParaRPr lang="nb-NO" dirty="0"/>
           </a:p>
         </p:txBody>
       </p:sp>
@@ -7794,20 +8394,20 @@
           <a:lstStyle/>
           <a:p>
             <a:r>
-              <a:rPr lang="nb-NO" dirty="0" smtClean="0"/>
+              <a:rPr lang="nb-NO" dirty="0"/>
               <a:t>Utvalget skal være stort nok til at vi får belyst problemstillingen</a:t>
             </a:r>
           </a:p>
           <a:p>
             <a:r>
-              <a:rPr lang="nb-NO" dirty="0" smtClean="0"/>
+              <a:rPr lang="nb-NO" dirty="0"/>
               <a:t>Antallet er avhengig av kvaliteten på intervjuene </a:t>
             </a:r>
           </a:p>
           <a:p>
             <a:pPr lvl="1"/>
             <a:r>
-              <a:rPr lang="nb-NO" dirty="0" smtClean="0"/>
+              <a:rPr lang="nb-NO" dirty="0"/>
               <a:t>(korte standardiserte intervjuer krever flere informanter enn lange ustrukturerte intervjuer/gode samtaler)</a:t>
             </a:r>
           </a:p>
@@ -7817,10 +8417,9 @@
           </a:p>
           <a:p>
             <a:r>
-              <a:rPr lang="nb-NO" dirty="0" smtClean="0"/>
+              <a:rPr lang="nb-NO" dirty="0"/>
               <a:t>Det bør gjennomføres intervjuer helt til forskeren ikke lenger får ny informasjon (vi når et metningspunkt)</a:t>
             </a:r>
-            <a:endParaRPr lang="nb-NO" dirty="0"/>
           </a:p>
         </p:txBody>
       </p:sp>
@@ -8270,10 +8869,9 @@
           <a:lstStyle/>
           <a:p>
             <a:r>
-              <a:rPr lang="nb-NO" dirty="0" smtClean="0"/>
+              <a:rPr lang="nb-NO" dirty="0"/>
               <a:t>Vanlig størrelse</a:t>
             </a:r>
-            <a:endParaRPr lang="nb-NO" dirty="0"/>
           </a:p>
         </p:txBody>
       </p:sp>
@@ -8293,13 +8891,13 @@
           <a:lstStyle/>
           <a:p>
             <a:r>
-              <a:rPr lang="nb-NO" dirty="0" smtClean="0"/>
+              <a:rPr lang="nb-NO" dirty="0"/>
               <a:t>Det er vanlig med et utvalg bestående av mellom 10 og 25 informanter</a:t>
             </a:r>
           </a:p>
           <a:p>
             <a:r>
-              <a:rPr lang="nb-NO" dirty="0" smtClean="0"/>
+              <a:rPr lang="nb-NO" dirty="0"/>
               <a:t>Mindre forprosjekter etc. 10-15 informanter</a:t>
             </a:r>
           </a:p>
@@ -8308,10 +8906,9 @@
           </a:p>
           <a:p>
             <a:r>
-              <a:rPr lang="nb-NO" dirty="0" smtClean="0"/>
+              <a:rPr lang="nb-NO" dirty="0"/>
               <a:t>Det er VIKTIGERE å skaffe et relevant utvalg av informanter enn å skaffe mange.</a:t>
             </a:r>
-            <a:endParaRPr lang="nb-NO" dirty="0"/>
           </a:p>
         </p:txBody>
       </p:sp>
@@ -8736,17 +9333,16 @@
           <a:lstStyle/>
           <a:p>
             <a:r>
-              <a:rPr lang="nb-NO" dirty="0" smtClean="0"/>
+              <a:rPr lang="nb-NO" dirty="0"/>
               <a:t>Utvalgsstrategier</a:t>
             </a:r>
             <a:br>
-              <a:rPr lang="nb-NO" dirty="0" smtClean="0"/>
+              <a:rPr lang="nb-NO" dirty="0"/>
             </a:br>
             <a:r>
-              <a:rPr lang="nb-NO" dirty="0" smtClean="0"/>
+              <a:rPr lang="nb-NO" dirty="0"/>
               <a:t>enkeltcase</a:t>
             </a:r>
-            <a:endParaRPr lang="nb-NO" dirty="0"/>
           </a:p>
         </p:txBody>
       </p:sp>
@@ -8778,13 +9374,8 @@
             <a:pPr lvl="2"/>
             <a:r>
               <a:rPr lang="nb-NO" sz="1800" dirty="0"/>
-              <a:t>en toppleder, en idrettsperson etc</a:t>
-            </a:r>
-            <a:r>
-              <a:rPr lang="nb-NO" sz="1800" dirty="0" smtClean="0"/>
-              <a:t>.</a:t>
-            </a:r>
-            <a:endParaRPr lang="nb-NO" sz="1800" dirty="0"/>
+              <a:t>en toppleder, en idrettsperson, en «Gaselle bedrift» etc.</a:t>
+            </a:r>
           </a:p>
           <a:p>
             <a:endParaRPr lang="nb-NO" dirty="0"/>
@@ -8807,7 +9398,7 @@
         </p:blipFill>
         <p:spPr>
           <a:xfrm>
-            <a:off x="7073975" y="2762777"/>
+            <a:off x="7860784" y="3608915"/>
             <a:ext cx="4020533" cy="2114022"/>
           </a:xfrm>
           <a:prstGeom prst="rect">
@@ -9226,17 +9817,16 @@
           <a:lstStyle/>
           <a:p>
             <a:r>
-              <a:rPr lang="nb-NO" dirty="0" smtClean="0"/>
+              <a:rPr lang="nb-NO" dirty="0"/>
               <a:t>Utvalgsstrategier</a:t>
             </a:r>
             <a:br>
-              <a:rPr lang="nb-NO" dirty="0" smtClean="0"/>
+              <a:rPr lang="nb-NO" dirty="0"/>
             </a:br>
             <a:r>
-              <a:rPr lang="nb-NO" dirty="0" smtClean="0"/>
+              <a:rPr lang="nb-NO" dirty="0"/>
               <a:t>sammenlignende utvalg</a:t>
             </a:r>
-            <a:endParaRPr lang="nb-NO" dirty="0"/>
           </a:p>
         </p:txBody>
       </p:sp>
@@ -9267,42 +9857,37 @@
               <a:buAutoNum type="arabicPeriod"/>
             </a:pPr>
             <a:r>
-              <a:rPr lang="nb-NO" sz="2000" dirty="0" smtClean="0"/>
+              <a:rPr lang="nb-NO" sz="2000" dirty="0"/>
               <a:t>Sammenlignende utvalg</a:t>
             </a:r>
-            <a:endParaRPr lang="nb-NO" sz="2000" dirty="0" smtClean="0"/>
           </a:p>
           <a:p>
             <a:pPr marL="228600" lvl="1" indent="0">
               <a:buNone/>
             </a:pPr>
             <a:r>
-              <a:rPr lang="nb-NO" dirty="0" smtClean="0"/>
-              <a:t>2.a) Ekstreme </a:t>
-            </a:r>
-            <a:r>
-              <a:rPr lang="nb-NO" dirty="0" smtClean="0"/>
-              <a:t>eller avvikende utvalg</a:t>
+              <a:rPr lang="nb-NO" dirty="0"/>
+              <a:t>2.a) Ekstreme eller avvikende utvalg</a:t>
             </a:r>
           </a:p>
           <a:p>
             <a:pPr lvl="2"/>
             <a:r>
-              <a:rPr lang="nb-NO" dirty="0" smtClean="0"/>
+              <a:rPr lang="nb-NO" dirty="0"/>
               <a:t>Informanter som er rike på informasjon </a:t>
             </a:r>
           </a:p>
           <a:p>
             <a:pPr lvl="2"/>
             <a:r>
-              <a:rPr lang="nb-NO" dirty="0" smtClean="0"/>
+              <a:rPr lang="nb-NO" dirty="0"/>
               <a:t>Fordi de er ekstreme, spesielle eller avvikende i forhold til andre</a:t>
             </a:r>
           </a:p>
           <a:p>
             <a:pPr lvl="2"/>
             <a:r>
-              <a:rPr lang="nb-NO" dirty="0" smtClean="0"/>
+              <a:rPr lang="nb-NO" dirty="0"/>
               <a:t>Ofte er de spesielt vellykkede eller spesielt mislykkede</a:t>
             </a:r>
           </a:p>
@@ -9313,14 +9898,9 @@
           <a:p>
             <a:pPr lvl="2"/>
             <a:r>
-              <a:rPr lang="nb-NO" dirty="0" smtClean="0"/>
-              <a:t>Elever </a:t>
-            </a:r>
-            <a:r>
-              <a:rPr lang="nb-NO" dirty="0" smtClean="0"/>
-              <a:t>som går ut fra videregående skole med karakter 6 i alle fag</a:t>
-            </a:r>
-            <a:endParaRPr lang="nb-NO" dirty="0"/>
+              <a:rPr lang="nb-NO" dirty="0"/>
+              <a:t>Elever som går ut fra videregående skole med karakter 6 i alle fag</a:t>
+            </a:r>
           </a:p>
         </p:txBody>
       </p:sp>
@@ -9817,17 +10397,16 @@
           <a:lstStyle/>
           <a:p>
             <a:r>
-              <a:rPr lang="nb-NO" dirty="0" smtClean="0"/>
+              <a:rPr lang="nb-NO" dirty="0"/>
               <a:t>Utvalgsstrategier</a:t>
             </a:r>
             <a:br>
-              <a:rPr lang="nb-NO" dirty="0" smtClean="0"/>
+              <a:rPr lang="nb-NO" dirty="0"/>
             </a:br>
             <a:r>
-              <a:rPr lang="nb-NO" dirty="0" smtClean="0"/>
+              <a:rPr lang="nb-NO" dirty="0"/>
               <a:t>sammenlignende utvalg</a:t>
             </a:r>
-            <a:endParaRPr lang="nb-NO" dirty="0"/>
           </a:p>
         </p:txBody>
       </p:sp>
@@ -9850,54 +10429,56 @@
               <a:buNone/>
             </a:pPr>
             <a:r>
-              <a:rPr lang="nb-NO" dirty="0" smtClean="0"/>
-              <a:t>2 b) Intensive </a:t>
-            </a:r>
-            <a:r>
-              <a:rPr lang="nb-NO" dirty="0" smtClean="0"/>
-              <a:t>utvalg</a:t>
+              <a:rPr lang="nb-NO" dirty="0"/>
+              <a:t>2 b) Intensive utvalg</a:t>
             </a:r>
           </a:p>
           <a:p>
             <a:pPr lvl="1"/>
             <a:r>
-              <a:rPr lang="nb-NO" dirty="0" smtClean="0"/>
+              <a:rPr lang="nb-NO" dirty="0"/>
               <a:t>Har noen </a:t>
             </a:r>
             <a:r>
-              <a:rPr lang="nb-NO" u="sng" dirty="0" smtClean="0"/>
+              <a:rPr lang="nb-NO" u="sng" dirty="0"/>
               <a:t>felles kjennetegn uten å være ekstreme</a:t>
             </a:r>
           </a:p>
           <a:p>
             <a:pPr lvl="1"/>
             <a:r>
-              <a:rPr lang="nb-NO" dirty="0" smtClean="0"/>
+              <a:rPr lang="nb-NO" dirty="0"/>
               <a:t>Ønsker å få mye informasjon uten at denne informasjonen er ekstrem</a:t>
             </a:r>
           </a:p>
           <a:p>
             <a:pPr lvl="2"/>
             <a:r>
-              <a:rPr lang="nb-NO" dirty="0" smtClean="0"/>
-              <a:t>Elever </a:t>
-            </a:r>
-            <a:r>
-              <a:rPr lang="nb-NO" dirty="0" smtClean="0"/>
-              <a:t>som har valgt samme linje på videregående og som har vist engasjement for skolen</a:t>
+              <a:rPr lang="nb-NO" dirty="0"/>
+              <a:t>Elever som har valgt samme linje på videregående og som har vist engasjement for skolen</a:t>
             </a:r>
           </a:p>
           <a:p>
             <a:pPr lvl="2"/>
             <a:r>
-              <a:rPr lang="nb-NO" dirty="0" smtClean="0"/>
-              <a:t>Eksperter/spesialister </a:t>
-            </a:r>
-            <a:r>
-              <a:rPr lang="nb-NO" dirty="0" smtClean="0"/>
-              <a:t>som vurderer brukergrensesnitt på nettsider </a:t>
+              <a:rPr lang="nb-NO" dirty="0"/>
+              <a:t>Eksperter/spesialister som vurderer brukergrensesnitt på nettsider </a:t>
+            </a:r>
+          </a:p>
+          <a:p>
+            <a:pPr lvl="2"/>
+            <a:r>
+              <a:rPr lang="nb-NO" dirty="0" err="1"/>
+              <a:t>Matbloggere</a:t>
             </a:r>
             <a:endParaRPr lang="nb-NO" dirty="0"/>
+          </a:p>
+          <a:p>
+            <a:pPr lvl="2"/>
+            <a:r>
+              <a:rPr lang="nb-NO" dirty="0"/>
+              <a:t>Snekkere</a:t>
+            </a:r>
           </a:p>
         </p:txBody>
       </p:sp>
@@ -9910,7 +10491,7 @@
           <p:nvPr/>
         </p:nvPicPr>
         <p:blipFill>
-          <a:blip r:embed="rId2"/>
+          <a:blip r:embed="rId3"/>
           <a:stretch>
             <a:fillRect/>
           </a:stretch>
@@ -9934,7 +10515,7 @@
           <p:nvPr/>
         </p:nvPicPr>
         <p:blipFill>
-          <a:blip r:embed="rId3">
+          <a:blip r:embed="rId4">
             <a:extLst>
               <a:ext uri="{28A0092B-C50C-407E-A947-70E740481C1C}">
                 <a14:useLocalDpi xmlns:a14="http://schemas.microsoft.com/office/drawing/2010/main" val="0"/>
@@ -10572,7 +11153,7 @@
                             </p:stCondLst>
                             <p:childTnLst>
                               <p:par>
-                                <p:cTn id="40" presetID="6" presetClass="entr" presetSubtype="16" fill="hold" nodeType="clickEffect">
+                                <p:cTn id="40" presetID="42" presetClass="entr" presetSubtype="0" fill="hold" nodeType="clickEffect">
                                   <p:stCondLst>
                                     <p:cond delay="0"/>
                                   </p:stCondLst>
@@ -10585,6 +11166,236 @@
                                           </p:stCondLst>
                                         </p:cTn>
                                         <p:tgtEl>
+                                          <p:spTgt spid="3">
+                                            <p:txEl>
+                                              <p:pRg st="5" end="5"/>
+                                            </p:txEl>
+                                          </p:spTgt>
+                                        </p:tgtEl>
+                                        <p:attrNameLst>
+                                          <p:attrName>style.visibility</p:attrName>
+                                        </p:attrNameLst>
+                                      </p:cBhvr>
+                                      <p:to>
+                                        <p:strVal val="visible"/>
+                                      </p:to>
+                                    </p:set>
+                                    <p:animEffect transition="in" filter="fade">
+                                      <p:cBhvr>
+                                        <p:cTn id="42" dur="1000"/>
+                                        <p:tgtEl>
+                                          <p:spTgt spid="3">
+                                            <p:txEl>
+                                              <p:pRg st="5" end="5"/>
+                                            </p:txEl>
+                                          </p:spTgt>
+                                        </p:tgtEl>
+                                      </p:cBhvr>
+                                    </p:animEffect>
+                                    <p:anim calcmode="lin" valueType="num">
+                                      <p:cBhvr>
+                                        <p:cTn id="43" dur="1000" fill="hold"/>
+                                        <p:tgtEl>
+                                          <p:spTgt spid="3">
+                                            <p:txEl>
+                                              <p:pRg st="5" end="5"/>
+                                            </p:txEl>
+                                          </p:spTgt>
+                                        </p:tgtEl>
+                                        <p:attrNameLst>
+                                          <p:attrName>ppt_x</p:attrName>
+                                        </p:attrNameLst>
+                                      </p:cBhvr>
+                                      <p:tavLst>
+                                        <p:tav tm="0">
+                                          <p:val>
+                                            <p:strVal val="#ppt_x"/>
+                                          </p:val>
+                                        </p:tav>
+                                        <p:tav tm="100000">
+                                          <p:val>
+                                            <p:strVal val="#ppt_x"/>
+                                          </p:val>
+                                        </p:tav>
+                                      </p:tavLst>
+                                    </p:anim>
+                                    <p:anim calcmode="lin" valueType="num">
+                                      <p:cBhvr>
+                                        <p:cTn id="44" dur="1000" fill="hold"/>
+                                        <p:tgtEl>
+                                          <p:spTgt spid="3">
+                                            <p:txEl>
+                                              <p:pRg st="5" end="5"/>
+                                            </p:txEl>
+                                          </p:spTgt>
+                                        </p:tgtEl>
+                                        <p:attrNameLst>
+                                          <p:attrName>ppt_y</p:attrName>
+                                        </p:attrNameLst>
+                                      </p:cBhvr>
+                                      <p:tavLst>
+                                        <p:tav tm="0">
+                                          <p:val>
+                                            <p:strVal val="#ppt_y+.1"/>
+                                          </p:val>
+                                        </p:tav>
+                                        <p:tav tm="100000">
+                                          <p:val>
+                                            <p:strVal val="#ppt_y"/>
+                                          </p:val>
+                                        </p:tav>
+                                      </p:tavLst>
+                                    </p:anim>
+                                  </p:childTnLst>
+                                </p:cTn>
+                              </p:par>
+                            </p:childTnLst>
+                          </p:cTn>
+                        </p:par>
+                      </p:childTnLst>
+                    </p:cTn>
+                  </p:par>
+                  <p:par>
+                    <p:cTn id="45" fill="hold">
+                      <p:stCondLst>
+                        <p:cond delay="indefinite"/>
+                      </p:stCondLst>
+                      <p:childTnLst>
+                        <p:par>
+                          <p:cTn id="46" fill="hold">
+                            <p:stCondLst>
+                              <p:cond delay="0"/>
+                            </p:stCondLst>
+                            <p:childTnLst>
+                              <p:par>
+                                <p:cTn id="47" presetID="42" presetClass="entr" presetSubtype="0" fill="hold" nodeType="clickEffect">
+                                  <p:stCondLst>
+                                    <p:cond delay="0"/>
+                                  </p:stCondLst>
+                                  <p:childTnLst>
+                                    <p:set>
+                                      <p:cBhvr>
+                                        <p:cTn id="48" dur="1" fill="hold">
+                                          <p:stCondLst>
+                                            <p:cond delay="0"/>
+                                          </p:stCondLst>
+                                        </p:cTn>
+                                        <p:tgtEl>
+                                          <p:spTgt spid="3">
+                                            <p:txEl>
+                                              <p:pRg st="6" end="6"/>
+                                            </p:txEl>
+                                          </p:spTgt>
+                                        </p:tgtEl>
+                                        <p:attrNameLst>
+                                          <p:attrName>style.visibility</p:attrName>
+                                        </p:attrNameLst>
+                                      </p:cBhvr>
+                                      <p:to>
+                                        <p:strVal val="visible"/>
+                                      </p:to>
+                                    </p:set>
+                                    <p:animEffect transition="in" filter="fade">
+                                      <p:cBhvr>
+                                        <p:cTn id="49" dur="1000"/>
+                                        <p:tgtEl>
+                                          <p:spTgt spid="3">
+                                            <p:txEl>
+                                              <p:pRg st="6" end="6"/>
+                                            </p:txEl>
+                                          </p:spTgt>
+                                        </p:tgtEl>
+                                      </p:cBhvr>
+                                    </p:animEffect>
+                                    <p:anim calcmode="lin" valueType="num">
+                                      <p:cBhvr>
+                                        <p:cTn id="50" dur="1000" fill="hold"/>
+                                        <p:tgtEl>
+                                          <p:spTgt spid="3">
+                                            <p:txEl>
+                                              <p:pRg st="6" end="6"/>
+                                            </p:txEl>
+                                          </p:spTgt>
+                                        </p:tgtEl>
+                                        <p:attrNameLst>
+                                          <p:attrName>ppt_x</p:attrName>
+                                        </p:attrNameLst>
+                                      </p:cBhvr>
+                                      <p:tavLst>
+                                        <p:tav tm="0">
+                                          <p:val>
+                                            <p:strVal val="#ppt_x"/>
+                                          </p:val>
+                                        </p:tav>
+                                        <p:tav tm="100000">
+                                          <p:val>
+                                            <p:strVal val="#ppt_x"/>
+                                          </p:val>
+                                        </p:tav>
+                                      </p:tavLst>
+                                    </p:anim>
+                                    <p:anim calcmode="lin" valueType="num">
+                                      <p:cBhvr>
+                                        <p:cTn id="51" dur="1000" fill="hold"/>
+                                        <p:tgtEl>
+                                          <p:spTgt spid="3">
+                                            <p:txEl>
+                                              <p:pRg st="6" end="6"/>
+                                            </p:txEl>
+                                          </p:spTgt>
+                                        </p:tgtEl>
+                                        <p:attrNameLst>
+                                          <p:attrName>ppt_y</p:attrName>
+                                        </p:attrNameLst>
+                                      </p:cBhvr>
+                                      <p:tavLst>
+                                        <p:tav tm="0">
+                                          <p:val>
+                                            <p:strVal val="#ppt_y+.1"/>
+                                          </p:val>
+                                        </p:tav>
+                                        <p:tav tm="100000">
+                                          <p:val>
+                                            <p:strVal val="#ppt_y"/>
+                                          </p:val>
+                                        </p:tav>
+                                      </p:tavLst>
+                                    </p:anim>
+                                  </p:childTnLst>
+                                </p:cTn>
+                              </p:par>
+                            </p:childTnLst>
+                          </p:cTn>
+                        </p:par>
+                      </p:childTnLst>
+                    </p:cTn>
+                  </p:par>
+                  <p:par>
+                    <p:cTn id="52" fill="hold">
+                      <p:stCondLst>
+                        <p:cond delay="indefinite"/>
+                      </p:stCondLst>
+                      <p:childTnLst>
+                        <p:par>
+                          <p:cTn id="53" fill="hold">
+                            <p:stCondLst>
+                              <p:cond delay="0"/>
+                            </p:stCondLst>
+                            <p:childTnLst>
+                              <p:par>
+                                <p:cTn id="54" presetID="6" presetClass="entr" presetSubtype="16" fill="hold" nodeType="clickEffect">
+                                  <p:stCondLst>
+                                    <p:cond delay="0"/>
+                                  </p:stCondLst>
+                                  <p:childTnLst>
+                                    <p:set>
+                                      <p:cBhvr>
+                                        <p:cTn id="55" dur="1" fill="hold">
+                                          <p:stCondLst>
+                                            <p:cond delay="0"/>
+                                          </p:stCondLst>
+                                        </p:cTn>
+                                        <p:tgtEl>
                                           <p:spTgt spid="5"/>
                                         </p:tgtEl>
                                         <p:attrNameLst>
@@ -10597,7 +11408,7 @@
                                     </p:set>
                                     <p:animEffect transition="in" filter="circle(in)">
                                       <p:cBhvr>
-                                        <p:cTn id="42" dur="2000"/>
+                                        <p:cTn id="56" dur="2000"/>
                                         <p:tgtEl>
                                           <p:spTgt spid="5"/>
                                         </p:tgtEl>
@@ -10607,14 +11418,14 @@
                                 </p:cTn>
                               </p:par>
                               <p:par>
-                                <p:cTn id="43" presetID="6" presetClass="entr" presetSubtype="16" fill="hold" nodeType="withEffect">
+                                <p:cTn id="57" presetID="6" presetClass="entr" presetSubtype="16" fill="hold" nodeType="withEffect">
                                   <p:stCondLst>
                                     <p:cond delay="0"/>
                                   </p:stCondLst>
                                   <p:childTnLst>
                                     <p:set>
                                       <p:cBhvr>
-                                        <p:cTn id="44" dur="1" fill="hold">
+                                        <p:cTn id="58" dur="1" fill="hold">
                                           <p:stCondLst>
                                             <p:cond delay="0"/>
                                           </p:stCondLst>
@@ -10632,7 +11443,7 @@
                                     </p:set>
                                     <p:animEffect transition="in" filter="circle(in)">
                                       <p:cBhvr>
-                                        <p:cTn id="45" dur="2000"/>
+                                        <p:cTn id="59" dur="2000"/>
                                         <p:tgtEl>
                                           <p:spTgt spid="2052"/>
                                         </p:tgtEl>
@@ -10705,17 +11516,16 @@
           <a:lstStyle/>
           <a:p>
             <a:r>
-              <a:rPr lang="nb-NO" dirty="0" smtClean="0"/>
+              <a:rPr lang="nb-NO" dirty="0"/>
               <a:t>Utvalgsstrategier</a:t>
             </a:r>
             <a:br>
-              <a:rPr lang="nb-NO" dirty="0" smtClean="0"/>
+              <a:rPr lang="nb-NO" dirty="0"/>
             </a:br>
             <a:r>
-              <a:rPr lang="nb-NO" dirty="0" smtClean="0"/>
+              <a:rPr lang="nb-NO" dirty="0"/>
               <a:t>sammenlignende utvalg</a:t>
             </a:r>
-            <a:endParaRPr lang="nb-NO" dirty="0"/>
           </a:p>
         </p:txBody>
       </p:sp>
@@ -10745,18 +11555,14 @@
               <a:buNone/>
             </a:pPr>
             <a:r>
-              <a:rPr lang="nb-NO" sz="3300" dirty="0" smtClean="0"/>
-              <a:t>2 c) Utvalg </a:t>
-            </a:r>
-            <a:r>
-              <a:rPr lang="nb-NO" sz="3300" dirty="0" smtClean="0"/>
-              <a:t>med maksimal variasjon</a:t>
+              <a:rPr lang="nb-NO" sz="3300" dirty="0"/>
+              <a:t>2 c) Utvalg med maksimal variasjon</a:t>
             </a:r>
           </a:p>
           <a:p>
             <a:pPr lvl="1"/>
             <a:r>
-              <a:rPr lang="nb-NO" sz="2900" dirty="0" smtClean="0"/>
+              <a:rPr lang="nb-NO" sz="2900" dirty="0"/>
               <a:t>Et typisk tilfelle, og to motpoler (personer i en gruppe som avviker mest mulig fra hverandre)</a:t>
             </a:r>
           </a:p>
@@ -10767,56 +11573,56 @@
           <a:p>
             <a:pPr lvl="1"/>
             <a:r>
-              <a:rPr lang="nb-NO" sz="2900" dirty="0" smtClean="0"/>
+              <a:rPr lang="nb-NO" sz="2900" dirty="0"/>
               <a:t>Norske sjømannskirker</a:t>
             </a:r>
           </a:p>
           <a:p>
             <a:pPr lvl="2"/>
             <a:r>
-              <a:rPr lang="nb-NO" sz="2500" dirty="0" smtClean="0"/>
+              <a:rPr lang="nb-NO" sz="2500" dirty="0"/>
               <a:t>Mest mulig spredning på destinasjoner med hensyn til brukergruppene</a:t>
             </a:r>
           </a:p>
           <a:p>
             <a:pPr lvl="3"/>
             <a:r>
-              <a:rPr lang="nb-NO" sz="2500" dirty="0" smtClean="0"/>
+              <a:rPr lang="nb-NO" sz="2500" dirty="0"/>
               <a:t>Antwerpen (trailersjåfører)</a:t>
             </a:r>
           </a:p>
           <a:p>
             <a:pPr lvl="3"/>
             <a:r>
-              <a:rPr lang="nb-NO" sz="2500" dirty="0" smtClean="0"/>
+              <a:rPr lang="nb-NO" sz="2500" dirty="0"/>
               <a:t>Singapore (forretningsfolk)</a:t>
             </a:r>
           </a:p>
           <a:p>
             <a:pPr lvl="3"/>
             <a:r>
-              <a:rPr lang="nb-NO" sz="2500" dirty="0" smtClean="0"/>
+              <a:rPr lang="nb-NO" sz="2500" dirty="0"/>
               <a:t>Kobe (misjonærer og forretningsfolk)</a:t>
             </a:r>
           </a:p>
           <a:p>
             <a:pPr lvl="3"/>
             <a:r>
-              <a:rPr lang="nb-NO" sz="2500" dirty="0" smtClean="0"/>
+              <a:rPr lang="nb-NO" sz="2500" dirty="0"/>
               <a:t>New Orleans (fastboende nordmenn)</a:t>
             </a:r>
           </a:p>
           <a:p>
             <a:pPr lvl="3"/>
             <a:r>
-              <a:rPr lang="nb-NO" sz="2500" dirty="0" smtClean="0"/>
+              <a:rPr lang="nb-NO" sz="2500" dirty="0"/>
               <a:t>London (studenter, au pairer, ambassadefolk og fastboende)</a:t>
             </a:r>
           </a:p>
           <a:p>
             <a:pPr lvl="3"/>
             <a:r>
-              <a:rPr lang="nb-NO" sz="2500" dirty="0" smtClean="0"/>
+              <a:rPr lang="nb-NO" sz="2500" dirty="0"/>
               <a:t>Alicante (kort og langtidsturister)</a:t>
             </a:r>
           </a:p>
@@ -12066,4 +12872,299 @@
     </a:ext>
   </a:extLst>
 </a:theme>
+</file>
+
+<file path=ppt/theme/theme2.xml><?xml version="1.0" encoding="utf-8"?>
+<a:theme xmlns:a="http://schemas.openxmlformats.org/drawingml/2006/main" name="Office-tema">
+  <a:themeElements>
+    <a:clrScheme name="Office">
+      <a:dk1>
+        <a:sysClr val="windowText" lastClr="000000"/>
+      </a:dk1>
+      <a:lt1>
+        <a:sysClr val="window" lastClr="FFFFFF"/>
+      </a:lt1>
+      <a:dk2>
+        <a:srgbClr val="44546A"/>
+      </a:dk2>
+      <a:lt2>
+        <a:srgbClr val="E7E6E6"/>
+      </a:lt2>
+      <a:accent1>
+        <a:srgbClr val="4472C4"/>
+      </a:accent1>
+      <a:accent2>
+        <a:srgbClr val="ED7D31"/>
+      </a:accent2>
+      <a:accent3>
+        <a:srgbClr val="A5A5A5"/>
+      </a:accent3>
+      <a:accent4>
+        <a:srgbClr val="FFC000"/>
+      </a:accent4>
+      <a:accent5>
+        <a:srgbClr val="5B9BD5"/>
+      </a:accent5>
+      <a:accent6>
+        <a:srgbClr val="70AD47"/>
+      </a:accent6>
+      <a:hlink>
+        <a:srgbClr val="0563C1"/>
+      </a:hlink>
+      <a:folHlink>
+        <a:srgbClr val="954F72"/>
+      </a:folHlink>
+    </a:clrScheme>
+    <a:fontScheme name="Office">
+      <a:majorFont>
+        <a:latin typeface="Calibri Light" panose="020F0302020204030204"/>
+        <a:ea typeface=""/>
+        <a:cs typeface=""/>
+        <a:font script="Jpan" typeface="游ゴシック Light"/>
+        <a:font script="Hang" typeface="맑은 고딕"/>
+        <a:font script="Hans" typeface="等线 Light"/>
+        <a:font script="Hant" typeface="新細明體"/>
+        <a:font script="Arab" typeface="Times New Roman"/>
+        <a:font script="Hebr" typeface="Times New Roman"/>
+        <a:font script="Thai" typeface="Angsana New"/>
+        <a:font script="Ethi" typeface="Nyala"/>
+        <a:font script="Beng" typeface="Vrinda"/>
+        <a:font script="Gujr" typeface="Shruti"/>
+        <a:font script="Khmr" typeface="MoolBoran"/>
+        <a:font script="Knda" typeface="Tunga"/>
+        <a:font script="Guru" typeface="Raavi"/>
+        <a:font script="Cans" typeface="Euphemia"/>
+        <a:font script="Cher" typeface="Plantagenet Cherokee"/>
+        <a:font script="Yiii" typeface="Microsoft Yi Baiti"/>
+        <a:font script="Tibt" typeface="Microsoft Himalaya"/>
+        <a:font script="Thaa" typeface="MV Boli"/>
+        <a:font script="Deva" typeface="Mangal"/>
+        <a:font script="Telu" typeface="Gautami"/>
+        <a:font script="Taml" typeface="Latha"/>
+        <a:font script="Syrc" typeface="Estrangelo Edessa"/>
+        <a:font script="Orya" typeface="Kalinga"/>
+        <a:font script="Mlym" typeface="Kartika"/>
+        <a:font script="Laoo" typeface="DokChampa"/>
+        <a:font script="Sinh" typeface="Iskoola Pota"/>
+        <a:font script="Mong" typeface="Mongolian Baiti"/>
+        <a:font script="Viet" typeface="Times New Roman"/>
+        <a:font script="Uigh" typeface="Microsoft Uighur"/>
+        <a:font script="Geor" typeface="Sylfaen"/>
+        <a:font script="Armn" typeface="Arial"/>
+        <a:font script="Bugi" typeface="Leelawadee UI"/>
+        <a:font script="Bopo" typeface="Microsoft JhengHei"/>
+        <a:font script="Java" typeface="Javanese Text"/>
+        <a:font script="Lisu" typeface="Segoe UI"/>
+        <a:font script="Mymr" typeface="Myanmar Text"/>
+        <a:font script="Nkoo" typeface="Ebrima"/>
+        <a:font script="Olck" typeface="Nirmala UI"/>
+        <a:font script="Osma" typeface="Ebrima"/>
+        <a:font script="Phag" typeface="Phagspa"/>
+        <a:font script="Syrn" typeface="Estrangelo Edessa"/>
+        <a:font script="Syrj" typeface="Estrangelo Edessa"/>
+        <a:font script="Syre" typeface="Estrangelo Edessa"/>
+        <a:font script="Sora" typeface="Nirmala UI"/>
+        <a:font script="Tale" typeface="Microsoft Tai Le"/>
+        <a:font script="Talu" typeface="Microsoft New Tai Lue"/>
+        <a:font script="Tfng" typeface="Ebrima"/>
+      </a:majorFont>
+      <a:minorFont>
+        <a:latin typeface="Calibri" panose="020F0502020204030204"/>
+        <a:ea typeface=""/>
+        <a:cs typeface=""/>
+        <a:font script="Jpan" typeface="游ゴシック"/>
+        <a:font script="Hang" typeface="맑은 고딕"/>
+        <a:font script="Hans" typeface="等线"/>
+        <a:font script="Hant" typeface="新細明體"/>
+        <a:font script="Arab" typeface="Arial"/>
+        <a:font script="Hebr" typeface="Arial"/>
+        <a:font script="Thai" typeface="Cordia New"/>
+        <a:font script="Ethi" typeface="Nyala"/>
+        <a:font script="Beng" typeface="Vrinda"/>
+        <a:font script="Gujr" typeface="Shruti"/>
+        <a:font script="Khmr" typeface="DaunPenh"/>
+        <a:font script="Knda" typeface="Tunga"/>
+        <a:font script="Guru" typeface="Raavi"/>
+        <a:font script="Cans" typeface="Euphemia"/>
+        <a:font script="Cher" typeface="Plantagenet Cherokee"/>
+        <a:font script="Yiii" typeface="Microsoft Yi Baiti"/>
+        <a:font script="Tibt" typeface="Microsoft Himalaya"/>
+        <a:font script="Thaa" typeface="MV Boli"/>
+        <a:font script="Deva" typeface="Mangal"/>
+        <a:font script="Telu" typeface="Gautami"/>
+        <a:font script="Taml" typeface="Latha"/>
+        <a:font script="Syrc" typeface="Estrangelo Edessa"/>
+        <a:font script="Orya" typeface="Kalinga"/>
+        <a:font script="Mlym" typeface="Kartika"/>
+        <a:font script="Laoo" typeface="DokChampa"/>
+        <a:font script="Sinh" typeface="Iskoola Pota"/>
+        <a:font script="Mong" typeface="Mongolian Baiti"/>
+        <a:font script="Viet" typeface="Arial"/>
+        <a:font script="Uigh" typeface="Microsoft Uighur"/>
+        <a:font script="Geor" typeface="Sylfaen"/>
+        <a:font script="Armn" typeface="Arial"/>
+        <a:font script="Bugi" typeface="Leelawadee UI"/>
+        <a:font script="Bopo" typeface="Microsoft JhengHei"/>
+        <a:font script="Java" typeface="Javanese Text"/>
+        <a:font script="Lisu" typeface="Segoe UI"/>
+        <a:font script="Mymr" typeface="Myanmar Text"/>
+        <a:font script="Nkoo" typeface="Ebrima"/>
+        <a:font script="Olck" typeface="Nirmala UI"/>
+        <a:font script="Osma" typeface="Ebrima"/>
+        <a:font script="Phag" typeface="Phagspa"/>
+        <a:font script="Syrn" typeface="Estrangelo Edessa"/>
+        <a:font script="Syrj" typeface="Estrangelo Edessa"/>
+        <a:font script="Syre" typeface="Estrangelo Edessa"/>
+        <a:font script="Sora" typeface="Nirmala UI"/>
+        <a:font script="Tale" typeface="Microsoft Tai Le"/>
+        <a:font script="Talu" typeface="Microsoft New Tai Lue"/>
+        <a:font script="Tfng" typeface="Ebrima"/>
+      </a:minorFont>
+    </a:fontScheme>
+    <a:fmtScheme name="Office">
+      <a:fillStyleLst>
+        <a:solidFill>
+          <a:schemeClr val="phClr"/>
+        </a:solidFill>
+        <a:gradFill rotWithShape="1">
+          <a:gsLst>
+            <a:gs pos="0">
+              <a:schemeClr val="phClr">
+                <a:lumMod val="110000"/>
+                <a:satMod val="105000"/>
+                <a:tint val="67000"/>
+              </a:schemeClr>
+            </a:gs>
+            <a:gs pos="50000">
+              <a:schemeClr val="phClr">
+                <a:lumMod val="105000"/>
+                <a:satMod val="103000"/>
+                <a:tint val="73000"/>
+              </a:schemeClr>
+            </a:gs>
+            <a:gs pos="100000">
+              <a:schemeClr val="phClr">
+                <a:lumMod val="105000"/>
+                <a:satMod val="109000"/>
+                <a:tint val="81000"/>
+              </a:schemeClr>
+            </a:gs>
+          </a:gsLst>
+          <a:lin ang="5400000" scaled="0"/>
+        </a:gradFill>
+        <a:gradFill rotWithShape="1">
+          <a:gsLst>
+            <a:gs pos="0">
+              <a:schemeClr val="phClr">
+                <a:satMod val="103000"/>
+                <a:lumMod val="102000"/>
+                <a:tint val="94000"/>
+              </a:schemeClr>
+            </a:gs>
+            <a:gs pos="50000">
+              <a:schemeClr val="phClr">
+                <a:satMod val="110000"/>
+                <a:lumMod val="100000"/>
+                <a:shade val="100000"/>
+              </a:schemeClr>
+            </a:gs>
+            <a:gs pos="100000">
+              <a:schemeClr val="phClr">
+                <a:lumMod val="99000"/>
+                <a:satMod val="120000"/>
+                <a:shade val="78000"/>
+              </a:schemeClr>
+            </a:gs>
+          </a:gsLst>
+          <a:lin ang="5400000" scaled="0"/>
+        </a:gradFill>
+      </a:fillStyleLst>
+      <a:lnStyleLst>
+        <a:ln w="6350" cap="flat" cmpd="sng" algn="ctr">
+          <a:solidFill>
+            <a:schemeClr val="phClr"/>
+          </a:solidFill>
+          <a:prstDash val="solid"/>
+          <a:miter lim="800000"/>
+        </a:ln>
+        <a:ln w="12700" cap="flat" cmpd="sng" algn="ctr">
+          <a:solidFill>
+            <a:schemeClr val="phClr"/>
+          </a:solidFill>
+          <a:prstDash val="solid"/>
+          <a:miter lim="800000"/>
+        </a:ln>
+        <a:ln w="19050" cap="flat" cmpd="sng" algn="ctr">
+          <a:solidFill>
+            <a:schemeClr val="phClr"/>
+          </a:solidFill>
+          <a:prstDash val="solid"/>
+          <a:miter lim="800000"/>
+        </a:ln>
+      </a:lnStyleLst>
+      <a:effectStyleLst>
+        <a:effectStyle>
+          <a:effectLst/>
+        </a:effectStyle>
+        <a:effectStyle>
+          <a:effectLst/>
+        </a:effectStyle>
+        <a:effectStyle>
+          <a:effectLst>
+            <a:outerShdw blurRad="57150" dist="19050" dir="5400000" algn="ctr" rotWithShape="0">
+              <a:srgbClr val="000000">
+                <a:alpha val="63000"/>
+              </a:srgbClr>
+            </a:outerShdw>
+          </a:effectLst>
+        </a:effectStyle>
+      </a:effectStyleLst>
+      <a:bgFillStyleLst>
+        <a:solidFill>
+          <a:schemeClr val="phClr"/>
+        </a:solidFill>
+        <a:solidFill>
+          <a:schemeClr val="phClr">
+            <a:tint val="95000"/>
+            <a:satMod val="170000"/>
+          </a:schemeClr>
+        </a:solidFill>
+        <a:gradFill rotWithShape="1">
+          <a:gsLst>
+            <a:gs pos="0">
+              <a:schemeClr val="phClr">
+                <a:tint val="93000"/>
+                <a:satMod val="150000"/>
+                <a:shade val="98000"/>
+                <a:lumMod val="102000"/>
+              </a:schemeClr>
+            </a:gs>
+            <a:gs pos="50000">
+              <a:schemeClr val="phClr">
+                <a:tint val="98000"/>
+                <a:satMod val="130000"/>
+                <a:shade val="90000"/>
+                <a:lumMod val="103000"/>
+              </a:schemeClr>
+            </a:gs>
+            <a:gs pos="100000">
+              <a:schemeClr val="phClr">
+                <a:shade val="63000"/>
+                <a:satMod val="120000"/>
+              </a:schemeClr>
+            </a:gs>
+          </a:gsLst>
+          <a:lin ang="5400000" scaled="0"/>
+        </a:gradFill>
+      </a:bgFillStyleLst>
+    </a:fmtScheme>
+  </a:themeElements>
+  <a:objectDefaults/>
+  <a:extraClrSchemeLst/>
+  <a:extLst>
+    <a:ext uri="{05A4C25C-085E-4340-85A3-A5531E510DB2}">
+      <thm15:themeFamily xmlns:thm15="http://schemas.microsoft.com/office/thememl/2012/main" name="Office Theme 2013 - 2022" id="{62F939B6-93AF-4DB8-9C6B-D6C7DFDC589F}" vid="{4A3C46E8-61CC-4603-A589-7422A47A8E4A}"/>
+    </a:ext>
+  </a:extLst>
+</a:theme>
 </file>